--- a/Mobile Price Prediction Using Machine Learning.pptx
+++ b/Mobile Price Prediction Using Machine Learning.pptx
@@ -145,1480 +145,6 @@
     <p1510:client id="{AF3C5371-F2E8-42E9-904A-443CBF8CADB3}" v="1532" dt="2024-01-04T16:12:29.780"/>
   </p1510:revLst>
 </p1510:revInfo>
-</file>
-
-<file path=ppt/changesInfos/changesInfo1.xml><?xml version="1.0" encoding="utf-8"?>
-<pc:chgInfo xmlns:a="http://schemas.openxmlformats.org/drawingml/2006/main" xmlns:r="http://schemas.openxmlformats.org/officeDocument/2006/relationships" xmlns:ac="http://schemas.microsoft.com/office/drawing/2013/main/command" xmlns:pc="http://schemas.microsoft.com/office/powerpoint/2013/main/command">
-  <pc:docChgLst>
-    <pc:chgData name="poojithsai03@gmail.com" userId="bf64c13fc2a2340e" providerId="LiveId" clId="{AF3C5371-F2E8-42E9-904A-443CBF8CADB3}"/>
-    <pc:docChg chg="undo custSel addSld delSld modSld sldOrd">
-      <pc:chgData name="poojithsai03@gmail.com" userId="bf64c13fc2a2340e" providerId="LiveId" clId="{AF3C5371-F2E8-42E9-904A-443CBF8CADB3}" dt="2024-01-04T16:12:29.780" v="4481" actId="1440"/>
-      <pc:docMkLst>
-        <pc:docMk/>
-      </pc:docMkLst>
-      <pc:sldChg chg="addSp delSp modSp mod setBg delAnim modAnim">
-        <pc:chgData name="poojithsai03@gmail.com" userId="bf64c13fc2a2340e" providerId="LiveId" clId="{AF3C5371-F2E8-42E9-904A-443CBF8CADB3}" dt="2023-12-24T05:58:41.253" v="908"/>
-        <pc:sldMkLst>
-          <pc:docMk/>
-          <pc:sldMk cId="1183374797" sldId="256"/>
-        </pc:sldMkLst>
-        <pc:spChg chg="mod">
-          <ac:chgData name="poojithsai03@gmail.com" userId="bf64c13fc2a2340e" providerId="LiveId" clId="{AF3C5371-F2E8-42E9-904A-443CBF8CADB3}" dt="2023-12-24T05:55:26.862" v="895" actId="114"/>
-          <ac:spMkLst>
-            <pc:docMk/>
-            <pc:sldMk cId="1183374797" sldId="256"/>
-            <ac:spMk id="2" creationId="{2AB9539D-AB52-C153-5383-33BA6CC2262F}"/>
-          </ac:spMkLst>
-        </pc:spChg>
-        <pc:spChg chg="add mod">
-          <ac:chgData name="poojithsai03@gmail.com" userId="bf64c13fc2a2340e" providerId="LiveId" clId="{AF3C5371-F2E8-42E9-904A-443CBF8CADB3}" dt="2023-12-24T05:58:31.539" v="907" actId="1076"/>
-          <ac:spMkLst>
-            <pc:docMk/>
-            <pc:sldMk cId="1183374797" sldId="256"/>
-            <ac:spMk id="10" creationId="{F02D86A4-73FB-6C82-87B4-29126A6BADD2}"/>
-          </ac:spMkLst>
-        </pc:spChg>
-        <pc:picChg chg="add del mod">
-          <ac:chgData name="poojithsai03@gmail.com" userId="bf64c13fc2a2340e" providerId="LiveId" clId="{AF3C5371-F2E8-42E9-904A-443CBF8CADB3}" dt="2023-12-24T05:56:33.796" v="896" actId="478"/>
-          <ac:picMkLst>
-            <pc:docMk/>
-            <pc:sldMk cId="1183374797" sldId="256"/>
-            <ac:picMk id="5" creationId="{5AFD169B-155E-9C50-ADB9-B35CAE40FF8B}"/>
-          </ac:picMkLst>
-        </pc:picChg>
-        <pc:picChg chg="add mod">
-          <ac:chgData name="poojithsai03@gmail.com" userId="bf64c13fc2a2340e" providerId="LiveId" clId="{AF3C5371-F2E8-42E9-904A-443CBF8CADB3}" dt="2023-12-24T05:57:47.335" v="903" actId="1076"/>
-          <ac:picMkLst>
-            <pc:docMk/>
-            <pc:sldMk cId="1183374797" sldId="256"/>
-            <ac:picMk id="7" creationId="{3203406E-9B86-1C19-8B61-103DDCD5C902}"/>
-          </ac:picMkLst>
-        </pc:picChg>
-        <pc:picChg chg="add mod">
-          <ac:chgData name="poojithsai03@gmail.com" userId="bf64c13fc2a2340e" providerId="LiveId" clId="{AF3C5371-F2E8-42E9-904A-443CBF8CADB3}" dt="2023-12-24T05:57:31.256" v="902" actId="14100"/>
-          <ac:picMkLst>
-            <pc:docMk/>
-            <pc:sldMk cId="1183374797" sldId="256"/>
-            <ac:picMk id="9" creationId="{439AAE26-0F6B-44E8-44EC-154A81BF8E3F}"/>
-          </ac:picMkLst>
-        </pc:picChg>
-      </pc:sldChg>
-      <pc:sldChg chg="del">
-        <pc:chgData name="poojithsai03@gmail.com" userId="bf64c13fc2a2340e" providerId="LiveId" clId="{AF3C5371-F2E8-42E9-904A-443CBF8CADB3}" dt="2023-12-23T16:24:56.701" v="7" actId="47"/>
-        <pc:sldMkLst>
-          <pc:docMk/>
-          <pc:sldMk cId="1717471029" sldId="257"/>
-        </pc:sldMkLst>
-      </pc:sldChg>
-      <pc:sldChg chg="addSp delSp modSp mod modAnim">
-        <pc:chgData name="poojithsai03@gmail.com" userId="bf64c13fc2a2340e" providerId="LiveId" clId="{AF3C5371-F2E8-42E9-904A-443CBF8CADB3}" dt="2024-01-04T07:34:34.383" v="4432"/>
-        <pc:sldMkLst>
-          <pc:docMk/>
-          <pc:sldMk cId="2385826698" sldId="258"/>
-        </pc:sldMkLst>
-        <pc:spChg chg="mod">
-          <ac:chgData name="poojithsai03@gmail.com" userId="bf64c13fc2a2340e" providerId="LiveId" clId="{AF3C5371-F2E8-42E9-904A-443CBF8CADB3}" dt="2024-01-04T07:33:27.036" v="4423" actId="1076"/>
-          <ac:spMkLst>
-            <pc:docMk/>
-            <pc:sldMk cId="2385826698" sldId="258"/>
-            <ac:spMk id="2" creationId="{C9EB1CE4-6961-E383-8E3C-7FA6441CE6BB}"/>
-          </ac:spMkLst>
-        </pc:spChg>
-        <pc:spChg chg="mod">
-          <ac:chgData name="poojithsai03@gmail.com" userId="bf64c13fc2a2340e" providerId="LiveId" clId="{AF3C5371-F2E8-42E9-904A-443CBF8CADB3}" dt="2024-01-04T07:33:10.977" v="4422" actId="27636"/>
-          <ac:spMkLst>
-            <pc:docMk/>
-            <pc:sldMk cId="2385826698" sldId="258"/>
-            <ac:spMk id="3" creationId="{4A195C4C-CD26-01D3-690B-4B51D59473E9}"/>
-          </ac:spMkLst>
-        </pc:spChg>
-        <pc:spChg chg="add del">
-          <ac:chgData name="poojithsai03@gmail.com" userId="bf64c13fc2a2340e" providerId="LiveId" clId="{AF3C5371-F2E8-42E9-904A-443CBF8CADB3}" dt="2023-12-23T16:24:51.434" v="5" actId="22"/>
-          <ac:spMkLst>
-            <pc:docMk/>
-            <pc:sldMk cId="2385826698" sldId="258"/>
-            <ac:spMk id="5" creationId="{3F1CC4A3-82FD-1297-3F43-D8F4C2CC548E}"/>
-          </ac:spMkLst>
-        </pc:spChg>
-        <pc:spChg chg="add mod">
-          <ac:chgData name="poojithsai03@gmail.com" userId="bf64c13fc2a2340e" providerId="LiveId" clId="{AF3C5371-F2E8-42E9-904A-443CBF8CADB3}" dt="2024-01-04T07:34:21.718" v="4430" actId="571"/>
-          <ac:spMkLst>
-            <pc:docMk/>
-            <pc:sldMk cId="2385826698" sldId="258"/>
-            <ac:spMk id="6" creationId="{BEB57CA9-5732-42B8-E18E-A457809B3A09}"/>
-          </ac:spMkLst>
-        </pc:spChg>
-        <pc:picChg chg="add mod">
-          <ac:chgData name="poojithsai03@gmail.com" userId="bf64c13fc2a2340e" providerId="LiveId" clId="{AF3C5371-F2E8-42E9-904A-443CBF8CADB3}" dt="2024-01-04T07:33:02.983" v="4419" actId="14100"/>
-          <ac:picMkLst>
-            <pc:docMk/>
-            <pc:sldMk cId="2385826698" sldId="258"/>
-            <ac:picMk id="5" creationId="{8B28E66B-8D23-BB73-A717-8D361E5FEFF9}"/>
-          </ac:picMkLst>
-        </pc:picChg>
-        <pc:picChg chg="add mod">
-          <ac:chgData name="poojithsai03@gmail.com" userId="bf64c13fc2a2340e" providerId="LiveId" clId="{AF3C5371-F2E8-42E9-904A-443CBF8CADB3}" dt="2024-01-04T07:34:21.718" v="4430" actId="571"/>
-          <ac:picMkLst>
-            <pc:docMk/>
-            <pc:sldMk cId="2385826698" sldId="258"/>
-            <ac:picMk id="7" creationId="{00E9DB9D-E6AD-8A98-2C9E-276B1C3BDA4D}"/>
-          </ac:picMkLst>
-        </pc:picChg>
-      </pc:sldChg>
-      <pc:sldChg chg="addSp delSp modSp add mod ord setBg modAnim">
-        <pc:chgData name="poojithsai03@gmail.com" userId="bf64c13fc2a2340e" providerId="LiveId" clId="{AF3C5371-F2E8-42E9-904A-443CBF8CADB3}" dt="2024-01-04T07:33:58.113" v="4425"/>
-        <pc:sldMkLst>
-          <pc:docMk/>
-          <pc:sldMk cId="3924719840" sldId="259"/>
-        </pc:sldMkLst>
-        <pc:spChg chg="mod">
-          <ac:chgData name="poojithsai03@gmail.com" userId="bf64c13fc2a2340e" providerId="LiveId" clId="{AF3C5371-F2E8-42E9-904A-443CBF8CADB3}" dt="2024-01-04T07:18:48.492" v="4408" actId="1076"/>
-          <ac:spMkLst>
-            <pc:docMk/>
-            <pc:sldMk cId="3924719840" sldId="259"/>
-            <ac:spMk id="2" creationId="{C9EB1CE4-6961-E383-8E3C-7FA6441CE6BB}"/>
-          </ac:spMkLst>
-        </pc:spChg>
-        <pc:spChg chg="mod">
-          <ac:chgData name="poojithsai03@gmail.com" userId="bf64c13fc2a2340e" providerId="LiveId" clId="{AF3C5371-F2E8-42E9-904A-443CBF8CADB3}" dt="2024-01-04T07:12:17.792" v="4395" actId="120"/>
-          <ac:spMkLst>
-            <pc:docMk/>
-            <pc:sldMk cId="3924719840" sldId="259"/>
-            <ac:spMk id="3" creationId="{4A195C4C-CD26-01D3-690B-4B51D59473E9}"/>
-          </ac:spMkLst>
-        </pc:spChg>
-        <pc:picChg chg="add del mod">
-          <ac:chgData name="poojithsai03@gmail.com" userId="bf64c13fc2a2340e" providerId="LiveId" clId="{AF3C5371-F2E8-42E9-904A-443CBF8CADB3}" dt="2024-01-04T07:10:42.162" v="4376"/>
-          <ac:picMkLst>
-            <pc:docMk/>
-            <pc:sldMk cId="3924719840" sldId="259"/>
-            <ac:picMk id="8194" creationId="{18CB93E0-BDA0-BE2F-29F8-E3A3AE05DD20}"/>
-          </ac:picMkLst>
-        </pc:picChg>
-        <pc:picChg chg="add mod">
-          <ac:chgData name="poojithsai03@gmail.com" userId="bf64c13fc2a2340e" providerId="LiveId" clId="{AF3C5371-F2E8-42E9-904A-443CBF8CADB3}" dt="2024-01-04T07:11:24.152" v="4391" actId="1076"/>
-          <ac:picMkLst>
-            <pc:docMk/>
-            <pc:sldMk cId="3924719840" sldId="259"/>
-            <ac:picMk id="8196" creationId="{3CC90ECE-C8A0-80D5-DCD1-05E20EE77949}"/>
-          </ac:picMkLst>
-        </pc:picChg>
-      </pc:sldChg>
-      <pc:sldChg chg="addSp delSp modSp add mod ord setBg modAnim">
-        <pc:chgData name="poojithsai03@gmail.com" userId="bf64c13fc2a2340e" providerId="LiveId" clId="{AF3C5371-F2E8-42E9-904A-443CBF8CADB3}" dt="2024-01-04T07:34:06.792" v="4427"/>
-        <pc:sldMkLst>
-          <pc:docMk/>
-          <pc:sldMk cId="375490049" sldId="260"/>
-        </pc:sldMkLst>
-        <pc:spChg chg="mod">
-          <ac:chgData name="poojithsai03@gmail.com" userId="bf64c13fc2a2340e" providerId="LiveId" clId="{AF3C5371-F2E8-42E9-904A-443CBF8CADB3}" dt="2024-01-04T07:19:02.074" v="4410" actId="27636"/>
-          <ac:spMkLst>
-            <pc:docMk/>
-            <pc:sldMk cId="375490049" sldId="260"/>
-            <ac:spMk id="2" creationId="{C9EB1CE4-6961-E383-8E3C-7FA6441CE6BB}"/>
-          </ac:spMkLst>
-        </pc:spChg>
-        <pc:spChg chg="mod">
-          <ac:chgData name="poojithsai03@gmail.com" userId="bf64c13fc2a2340e" providerId="LiveId" clId="{AF3C5371-F2E8-42E9-904A-443CBF8CADB3}" dt="2024-01-04T07:16:43.663" v="4403" actId="1076"/>
-          <ac:spMkLst>
-            <pc:docMk/>
-            <pc:sldMk cId="375490049" sldId="260"/>
-            <ac:spMk id="3" creationId="{4A195C4C-CD26-01D3-690B-4B51D59473E9}"/>
-          </ac:spMkLst>
-        </pc:spChg>
-        <pc:graphicFrameChg chg="add del modGraphic">
-          <ac:chgData name="poojithsai03@gmail.com" userId="bf64c13fc2a2340e" providerId="LiveId" clId="{AF3C5371-F2E8-42E9-904A-443CBF8CADB3}" dt="2023-12-24T04:36:15.131" v="129" actId="27309"/>
-          <ac:graphicFrameMkLst>
-            <pc:docMk/>
-            <pc:sldMk cId="375490049" sldId="260"/>
-            <ac:graphicFrameMk id="5" creationId="{17A739EE-E1CF-C628-8CB3-99E80444A634}"/>
-          </ac:graphicFrameMkLst>
-        </pc:graphicFrameChg>
-        <pc:picChg chg="add mod">
-          <ac:chgData name="poojithsai03@gmail.com" userId="bf64c13fc2a2340e" providerId="LiveId" clId="{AF3C5371-F2E8-42E9-904A-443CBF8CADB3}" dt="2024-01-04T07:17:07.494" v="4405"/>
-          <ac:picMkLst>
-            <pc:docMk/>
-            <pc:sldMk cId="375490049" sldId="260"/>
-            <ac:picMk id="5" creationId="{ACCAB445-4F85-29B0-4E91-F0BDCA030773}"/>
-          </ac:picMkLst>
-        </pc:picChg>
-      </pc:sldChg>
-      <pc:sldChg chg="addSp delSp modSp new mod setBg delAnim modAnim">
-        <pc:chgData name="poojithsai03@gmail.com" userId="bf64c13fc2a2340e" providerId="LiveId" clId="{AF3C5371-F2E8-42E9-904A-443CBF8CADB3}" dt="2024-01-04T06:58:12.173" v="4331"/>
-        <pc:sldMkLst>
-          <pc:docMk/>
-          <pc:sldMk cId="3427521547" sldId="261"/>
-        </pc:sldMkLst>
-        <pc:spChg chg="mod">
-          <ac:chgData name="poojithsai03@gmail.com" userId="bf64c13fc2a2340e" providerId="LiveId" clId="{AF3C5371-F2E8-42E9-904A-443CBF8CADB3}" dt="2023-12-24T05:59:36.673" v="915" actId="1076"/>
-          <ac:spMkLst>
-            <pc:docMk/>
-            <pc:sldMk cId="3427521547" sldId="261"/>
-            <ac:spMk id="2" creationId="{3875A210-A6DE-2328-52EB-50DB88A4041E}"/>
-          </ac:spMkLst>
-        </pc:spChg>
-        <pc:spChg chg="del">
-          <ac:chgData name="poojithsai03@gmail.com" userId="bf64c13fc2a2340e" providerId="LiveId" clId="{AF3C5371-F2E8-42E9-904A-443CBF8CADB3}" dt="2023-12-24T04:36:05.044" v="127" actId="478"/>
-          <ac:spMkLst>
-            <pc:docMk/>
-            <pc:sldMk cId="3427521547" sldId="261"/>
-            <ac:spMk id="3" creationId="{5FCDBE83-60FE-8F36-CA50-CD8CFA997816}"/>
-          </ac:spMkLst>
-        </pc:spChg>
-        <pc:spChg chg="mod">
-          <ac:chgData name="poojithsai03@gmail.com" userId="bf64c13fc2a2340e" providerId="LiveId" clId="{AF3C5371-F2E8-42E9-904A-443CBF8CADB3}" dt="2024-01-03T15:00:27.975" v="957"/>
-          <ac:spMkLst>
-            <pc:docMk/>
-            <pc:sldMk cId="3427521547" sldId="261"/>
-            <ac:spMk id="5" creationId="{3035771A-76AD-CE8A-839B-59BA5D61803E}"/>
-          </ac:spMkLst>
-        </pc:spChg>
-        <pc:spChg chg="mod">
-          <ac:chgData name="poojithsai03@gmail.com" userId="bf64c13fc2a2340e" providerId="LiveId" clId="{AF3C5371-F2E8-42E9-904A-443CBF8CADB3}" dt="2024-01-03T15:00:27.975" v="957"/>
-          <ac:spMkLst>
-            <pc:docMk/>
-            <pc:sldMk cId="3427521547" sldId="261"/>
-            <ac:spMk id="6" creationId="{CAA905DB-823C-0506-40FD-8A8D9510810E}"/>
-          </ac:spMkLst>
-        </pc:spChg>
-        <pc:spChg chg="mod">
-          <ac:chgData name="poojithsai03@gmail.com" userId="bf64c13fc2a2340e" providerId="LiveId" clId="{AF3C5371-F2E8-42E9-904A-443CBF8CADB3}" dt="2024-01-03T15:00:32.715" v="959"/>
-          <ac:spMkLst>
-            <pc:docMk/>
-            <pc:sldMk cId="3427521547" sldId="261"/>
-            <ac:spMk id="8" creationId="{DE31C2A1-6F26-C946-9BE8-89BEBEC14346}"/>
-          </ac:spMkLst>
-        </pc:spChg>
-        <pc:spChg chg="add mod">
-          <ac:chgData name="poojithsai03@gmail.com" userId="bf64c13fc2a2340e" providerId="LiveId" clId="{AF3C5371-F2E8-42E9-904A-443CBF8CADB3}" dt="2023-12-24T05:04:05.437" v="570" actId="207"/>
-          <ac:spMkLst>
-            <pc:docMk/>
-            <pc:sldMk cId="3427521547" sldId="261"/>
-            <ac:spMk id="10" creationId="{BF48D2D7-E9FC-67A8-06D9-6C1B8A6AB405}"/>
-          </ac:spMkLst>
-        </pc:spChg>
-        <pc:spChg chg="add mod">
-          <ac:chgData name="poojithsai03@gmail.com" userId="bf64c13fc2a2340e" providerId="LiveId" clId="{AF3C5371-F2E8-42E9-904A-443CBF8CADB3}" dt="2023-12-24T05:24:49.546" v="850" actId="113"/>
-          <ac:spMkLst>
-            <pc:docMk/>
-            <pc:sldMk cId="3427521547" sldId="261"/>
-            <ac:spMk id="11" creationId="{0F2546DD-EA60-0796-790A-59F7E18D8C81}"/>
-          </ac:spMkLst>
-        </pc:spChg>
-        <pc:spChg chg="mod">
-          <ac:chgData name="poojithsai03@gmail.com" userId="bf64c13fc2a2340e" providerId="LiveId" clId="{AF3C5371-F2E8-42E9-904A-443CBF8CADB3}" dt="2023-12-24T05:29:04.240" v="865" actId="207"/>
-          <ac:spMkLst>
-            <pc:docMk/>
-            <pc:sldMk cId="3427521547" sldId="261"/>
-            <ac:spMk id="13" creationId="{80F5323B-AE33-7165-BF1C-57C44F39BCAC}"/>
-          </ac:spMkLst>
-        </pc:spChg>
-        <pc:spChg chg="mod">
-          <ac:chgData name="poojithsai03@gmail.com" userId="bf64c13fc2a2340e" providerId="LiveId" clId="{AF3C5371-F2E8-42E9-904A-443CBF8CADB3}" dt="2023-12-24T05:29:04.240" v="865" actId="207"/>
-          <ac:spMkLst>
-            <pc:docMk/>
-            <pc:sldMk cId="3427521547" sldId="261"/>
-            <ac:spMk id="14" creationId="{17B0CFFF-5C86-55C1-A22F-701A04080CF4}"/>
-          </ac:spMkLst>
-        </pc:spChg>
-        <pc:spChg chg="mod">
-          <ac:chgData name="poojithsai03@gmail.com" userId="bf64c13fc2a2340e" providerId="LiveId" clId="{AF3C5371-F2E8-42E9-904A-443CBF8CADB3}" dt="2023-12-24T05:28:57.442" v="864" actId="207"/>
-          <ac:spMkLst>
-            <pc:docMk/>
-            <pc:sldMk cId="3427521547" sldId="261"/>
-            <ac:spMk id="16" creationId="{2A9C6EBC-7F4E-007E-DB27-443AA6BF9A67}"/>
-          </ac:spMkLst>
-        </pc:spChg>
-        <pc:spChg chg="mod">
-          <ac:chgData name="poojithsai03@gmail.com" userId="bf64c13fc2a2340e" providerId="LiveId" clId="{AF3C5371-F2E8-42E9-904A-443CBF8CADB3}" dt="2023-12-24T05:28:57.442" v="864" actId="207"/>
-          <ac:spMkLst>
-            <pc:docMk/>
-            <pc:sldMk cId="3427521547" sldId="261"/>
-            <ac:spMk id="17" creationId="{7FD94F28-898F-06CB-7A90-FF1F8AAEA6CE}"/>
-          </ac:spMkLst>
-        </pc:spChg>
-        <pc:spChg chg="mod">
-          <ac:chgData name="poojithsai03@gmail.com" userId="bf64c13fc2a2340e" providerId="LiveId" clId="{AF3C5371-F2E8-42E9-904A-443CBF8CADB3}" dt="2023-12-24T05:28:47.585" v="863" actId="207"/>
-          <ac:spMkLst>
-            <pc:docMk/>
-            <pc:sldMk cId="3427521547" sldId="261"/>
-            <ac:spMk id="19" creationId="{2DA174D3-B7A7-6344-4A6A-4A35C427D6D3}"/>
-          </ac:spMkLst>
-        </pc:spChg>
-        <pc:spChg chg="mod">
-          <ac:chgData name="poojithsai03@gmail.com" userId="bf64c13fc2a2340e" providerId="LiveId" clId="{AF3C5371-F2E8-42E9-904A-443CBF8CADB3}" dt="2023-12-24T05:40:46.341" v="884" actId="20577"/>
-          <ac:spMkLst>
-            <pc:docMk/>
-            <pc:sldMk cId="3427521547" sldId="261"/>
-            <ac:spMk id="20" creationId="{E4866C86-6D9D-25FA-6AA7-8A08C75E7A73}"/>
-          </ac:spMkLst>
-        </pc:spChg>
-        <pc:spChg chg="mod">
-          <ac:chgData name="poojithsai03@gmail.com" userId="bf64c13fc2a2340e" providerId="LiveId" clId="{AF3C5371-F2E8-42E9-904A-443CBF8CADB3}" dt="2023-12-24T05:22:33.234" v="827" actId="207"/>
-          <ac:spMkLst>
-            <pc:docMk/>
-            <pc:sldMk cId="3427521547" sldId="261"/>
-            <ac:spMk id="22" creationId="{D5E63EE0-70D5-711B-E0EE-18A70153D832}"/>
-          </ac:spMkLst>
-        </pc:spChg>
-        <pc:spChg chg="mod">
-          <ac:chgData name="poojithsai03@gmail.com" userId="bf64c13fc2a2340e" providerId="LiveId" clId="{AF3C5371-F2E8-42E9-904A-443CBF8CADB3}" dt="2023-12-24T05:24:55.215" v="852" actId="113"/>
-          <ac:spMkLst>
-            <pc:docMk/>
-            <pc:sldMk cId="3427521547" sldId="261"/>
-            <ac:spMk id="23" creationId="{75BA67F6-A94C-10DC-9D2D-68D47ADBCC5F}"/>
-          </ac:spMkLst>
-        </pc:spChg>
-        <pc:spChg chg="mod">
-          <ac:chgData name="poojithsai03@gmail.com" userId="bf64c13fc2a2340e" providerId="LiveId" clId="{AF3C5371-F2E8-42E9-904A-443CBF8CADB3}" dt="2024-01-03T15:00:47.248" v="993" actId="20577"/>
-          <ac:spMkLst>
-            <pc:docMk/>
-            <pc:sldMk cId="3427521547" sldId="261"/>
-            <ac:spMk id="24" creationId="{F6BD0B1C-04DA-C30E-34DB-5D775CD6934E}"/>
-          </ac:spMkLst>
-        </pc:spChg>
-        <pc:spChg chg="add del">
-          <ac:chgData name="poojithsai03@gmail.com" userId="bf64c13fc2a2340e" providerId="LiveId" clId="{AF3C5371-F2E8-42E9-904A-443CBF8CADB3}" dt="2023-12-24T04:58:54.513" v="462" actId="478"/>
-          <ac:spMkLst>
-            <pc:docMk/>
-            <pc:sldMk cId="3427521547" sldId="261"/>
-            <ac:spMk id="34" creationId="{2BC20D97-6EF0-4D15-15BB-56D329119A4C}"/>
-          </ac:spMkLst>
-        </pc:spChg>
-        <pc:spChg chg="add del mod">
-          <ac:chgData name="poojithsai03@gmail.com" userId="bf64c13fc2a2340e" providerId="LiveId" clId="{AF3C5371-F2E8-42E9-904A-443CBF8CADB3}" dt="2023-12-24T04:59:41.204" v="490"/>
-          <ac:spMkLst>
-            <pc:docMk/>
-            <pc:sldMk cId="3427521547" sldId="261"/>
-            <ac:spMk id="35" creationId="{88F52208-1785-F164-7DC5-2BBEC6847074}"/>
-          </ac:spMkLst>
-        </pc:spChg>
-        <pc:spChg chg="add mod">
-          <ac:chgData name="poojithsai03@gmail.com" userId="bf64c13fc2a2340e" providerId="LiveId" clId="{AF3C5371-F2E8-42E9-904A-443CBF8CADB3}" dt="2023-12-24T05:14:24.467" v="632" actId="1076"/>
-          <ac:spMkLst>
-            <pc:docMk/>
-            <pc:sldMk cId="3427521547" sldId="261"/>
-            <ac:spMk id="36" creationId="{D264FB54-6E01-0305-3AC5-5D8C2E3FD550}"/>
-          </ac:spMkLst>
-        </pc:spChg>
-        <pc:spChg chg="add del mod">
-          <ac:chgData name="poojithsai03@gmail.com" userId="bf64c13fc2a2340e" providerId="LiveId" clId="{AF3C5371-F2E8-42E9-904A-443CBF8CADB3}" dt="2023-12-24T05:01:58.014" v="515"/>
-          <ac:spMkLst>
-            <pc:docMk/>
-            <pc:sldMk cId="3427521547" sldId="261"/>
-            <ac:spMk id="49" creationId="{89E21D73-9307-4E9E-2910-A46A26FF854C}"/>
-          </ac:spMkLst>
-        </pc:spChg>
-        <pc:spChg chg="add mod">
-          <ac:chgData name="poojithsai03@gmail.com" userId="bf64c13fc2a2340e" providerId="LiveId" clId="{AF3C5371-F2E8-42E9-904A-443CBF8CADB3}" dt="2023-12-24T05:36:20.332" v="878" actId="14100"/>
-          <ac:spMkLst>
-            <pc:docMk/>
-            <pc:sldMk cId="3427521547" sldId="261"/>
-            <ac:spMk id="50" creationId="{5A1E1564-1008-9B32-E7C2-80589D592CA2}"/>
-          </ac:spMkLst>
-        </pc:spChg>
-        <pc:spChg chg="del mod topLvl">
-          <ac:chgData name="poojithsai03@gmail.com" userId="bf64c13fc2a2340e" providerId="LiveId" clId="{AF3C5371-F2E8-42E9-904A-443CBF8CADB3}" dt="2024-01-03T12:04:25.123" v="949" actId="478"/>
-          <ac:spMkLst>
-            <pc:docMk/>
-            <pc:sldMk cId="3427521547" sldId="261"/>
-            <ac:spMk id="52" creationId="{CD1D0F67-474D-9A1B-04DE-B472312C5A11}"/>
-          </ac:spMkLst>
-        </pc:spChg>
-        <pc:spChg chg="del mod topLvl">
-          <ac:chgData name="poojithsai03@gmail.com" userId="bf64c13fc2a2340e" providerId="LiveId" clId="{AF3C5371-F2E8-42E9-904A-443CBF8CADB3}" dt="2024-01-03T15:01:00.064" v="996" actId="478"/>
-          <ac:spMkLst>
-            <pc:docMk/>
-            <pc:sldMk cId="3427521547" sldId="261"/>
-            <ac:spMk id="53" creationId="{CE262D6E-D883-71E0-F0C4-89D3B545FE86}"/>
-          </ac:spMkLst>
-        </pc:spChg>
-        <pc:spChg chg="mod">
-          <ac:chgData name="poojithsai03@gmail.com" userId="bf64c13fc2a2340e" providerId="LiveId" clId="{AF3C5371-F2E8-42E9-904A-443CBF8CADB3}" dt="2023-12-24T05:34:20.575" v="870" actId="207"/>
-          <ac:spMkLst>
-            <pc:docMk/>
-            <pc:sldMk cId="3427521547" sldId="261"/>
-            <ac:spMk id="57" creationId="{A575E011-8578-6B3F-AE86-48F09281AABC}"/>
-          </ac:spMkLst>
-        </pc:spChg>
-        <pc:spChg chg="mod">
-          <ac:chgData name="poojithsai03@gmail.com" userId="bf64c13fc2a2340e" providerId="LiveId" clId="{AF3C5371-F2E8-42E9-904A-443CBF8CADB3}" dt="2023-12-24T05:34:20.575" v="870" actId="207"/>
-          <ac:spMkLst>
-            <pc:docMk/>
-            <pc:sldMk cId="3427521547" sldId="261"/>
-            <ac:spMk id="58" creationId="{C6D9321A-3ECF-CB44-DBB8-190408837775}"/>
-          </ac:spMkLst>
-        </pc:spChg>
-        <pc:spChg chg="mod">
-          <ac:chgData name="poojithsai03@gmail.com" userId="bf64c13fc2a2340e" providerId="LiveId" clId="{AF3C5371-F2E8-42E9-904A-443CBF8CADB3}" dt="2023-12-24T05:33:33.887" v="866" actId="207"/>
-          <ac:spMkLst>
-            <pc:docMk/>
-            <pc:sldMk cId="3427521547" sldId="261"/>
-            <ac:spMk id="60" creationId="{68AADA95-DF08-9B66-9004-09F46354025F}"/>
-          </ac:spMkLst>
-        </pc:spChg>
-        <pc:spChg chg="mod">
-          <ac:chgData name="poojithsai03@gmail.com" userId="bf64c13fc2a2340e" providerId="LiveId" clId="{AF3C5371-F2E8-42E9-904A-443CBF8CADB3}" dt="2023-12-24T05:33:33.887" v="866" actId="207"/>
-          <ac:spMkLst>
-            <pc:docMk/>
-            <pc:sldMk cId="3427521547" sldId="261"/>
-            <ac:spMk id="61" creationId="{CE3A0E8A-F850-4988-287D-FA7713986BF2}"/>
-          </ac:spMkLst>
-        </pc:spChg>
-        <pc:spChg chg="mod">
-          <ac:chgData name="poojithsai03@gmail.com" userId="bf64c13fc2a2340e" providerId="LiveId" clId="{AF3C5371-F2E8-42E9-904A-443CBF8CADB3}" dt="2023-12-24T05:33:39.239" v="867" actId="207"/>
-          <ac:spMkLst>
-            <pc:docMk/>
-            <pc:sldMk cId="3427521547" sldId="261"/>
-            <ac:spMk id="63" creationId="{AF458764-55D5-DF28-FD5B-7A18108A2B51}"/>
-          </ac:spMkLst>
-        </pc:spChg>
-        <pc:spChg chg="mod">
-          <ac:chgData name="poojithsai03@gmail.com" userId="bf64c13fc2a2340e" providerId="LiveId" clId="{AF3C5371-F2E8-42E9-904A-443CBF8CADB3}" dt="2023-12-24T05:46:05.577" v="890" actId="6549"/>
-          <ac:spMkLst>
-            <pc:docMk/>
-            <pc:sldMk cId="3427521547" sldId="261"/>
-            <ac:spMk id="64" creationId="{6D7C123A-80B5-109E-A31D-A96B7AC802AF}"/>
-          </ac:spMkLst>
-        </pc:spChg>
-        <pc:spChg chg="mod">
-          <ac:chgData name="poojithsai03@gmail.com" userId="bf64c13fc2a2340e" providerId="LiveId" clId="{AF3C5371-F2E8-42E9-904A-443CBF8CADB3}" dt="2023-12-24T05:33:45.219" v="868" actId="207"/>
-          <ac:spMkLst>
-            <pc:docMk/>
-            <pc:sldMk cId="3427521547" sldId="261"/>
-            <ac:spMk id="66" creationId="{79084093-7C3D-28E4-0AD6-466A8C9CFD52}"/>
-          </ac:spMkLst>
-        </pc:spChg>
-        <pc:spChg chg="mod">
-          <ac:chgData name="poojithsai03@gmail.com" userId="bf64c13fc2a2340e" providerId="LiveId" clId="{AF3C5371-F2E8-42E9-904A-443CBF8CADB3}" dt="2023-12-24T05:44:24.188" v="889" actId="20577"/>
-          <ac:spMkLst>
-            <pc:docMk/>
-            <pc:sldMk cId="3427521547" sldId="261"/>
-            <ac:spMk id="67" creationId="{AC1B433E-075A-44DC-81AF-3DB2AFBFE7F7}"/>
-          </ac:spMkLst>
-        </pc:spChg>
-        <pc:spChg chg="mod">
-          <ac:chgData name="poojithsai03@gmail.com" userId="bf64c13fc2a2340e" providerId="LiveId" clId="{AF3C5371-F2E8-42E9-904A-443CBF8CADB3}" dt="2023-12-24T05:33:51.385" v="869" actId="207"/>
-          <ac:spMkLst>
-            <pc:docMk/>
-            <pc:sldMk cId="3427521547" sldId="261"/>
-            <ac:spMk id="69" creationId="{1FD6F37C-D8CD-B5DA-6DB9-AFE32E2B2FFC}"/>
-          </ac:spMkLst>
-        </pc:spChg>
-        <pc:spChg chg="mod">
-          <ac:chgData name="poojithsai03@gmail.com" userId="bf64c13fc2a2340e" providerId="LiveId" clId="{AF3C5371-F2E8-42E9-904A-443CBF8CADB3}" dt="2023-12-24T05:33:51.385" v="869" actId="207"/>
-          <ac:spMkLst>
-            <pc:docMk/>
-            <pc:sldMk cId="3427521547" sldId="261"/>
-            <ac:spMk id="70" creationId="{59E59CD7-8DBF-05DD-24DD-81ACABFCC9FB}"/>
-          </ac:spMkLst>
-        </pc:spChg>
-        <pc:grpChg chg="add del mod">
-          <ac:chgData name="poojithsai03@gmail.com" userId="bf64c13fc2a2340e" providerId="LiveId" clId="{AF3C5371-F2E8-42E9-904A-443CBF8CADB3}" dt="2024-01-03T15:00:29.472" v="958"/>
-          <ac:grpSpMkLst>
-            <pc:docMk/>
-            <pc:sldMk cId="3427521547" sldId="261"/>
-            <ac:grpSpMk id="4" creationId="{168CDDA3-F555-214F-048B-F125F1A41975}"/>
-          </ac:grpSpMkLst>
-        </pc:grpChg>
-        <pc:grpChg chg="add mod">
-          <ac:chgData name="poojithsai03@gmail.com" userId="bf64c13fc2a2340e" providerId="LiveId" clId="{AF3C5371-F2E8-42E9-904A-443CBF8CADB3}" dt="2024-01-03T15:00:56.899" v="995" actId="14100"/>
-          <ac:grpSpMkLst>
-            <pc:docMk/>
-            <pc:sldMk cId="3427521547" sldId="261"/>
-            <ac:grpSpMk id="7" creationId="{8A63116C-294B-66FF-0F61-DDBFBFCBE31C}"/>
-          </ac:grpSpMkLst>
-        </pc:grpChg>
-        <pc:grpChg chg="add mod">
-          <ac:chgData name="poojithsai03@gmail.com" userId="bf64c13fc2a2340e" providerId="LiveId" clId="{AF3C5371-F2E8-42E9-904A-443CBF8CADB3}" dt="2023-12-24T05:13:20.914" v="623" actId="1076"/>
-          <ac:grpSpMkLst>
-            <pc:docMk/>
-            <pc:sldMk cId="3427521547" sldId="261"/>
-            <ac:grpSpMk id="9" creationId="{FD6B7B3A-017D-088D-9537-0F5A78161802}"/>
-          </ac:grpSpMkLst>
-        </pc:grpChg>
-        <pc:grpChg chg="add mod">
-          <ac:chgData name="poojithsai03@gmail.com" userId="bf64c13fc2a2340e" providerId="LiveId" clId="{AF3C5371-F2E8-42E9-904A-443CBF8CADB3}" dt="2023-12-24T05:29:04.240" v="865" actId="207"/>
-          <ac:grpSpMkLst>
-            <pc:docMk/>
-            <pc:sldMk cId="3427521547" sldId="261"/>
-            <ac:grpSpMk id="12" creationId="{D0C646BD-CCCE-AA21-F072-C6A7446CB7BC}"/>
-          </ac:grpSpMkLst>
-        </pc:grpChg>
-        <pc:grpChg chg="add mod">
-          <ac:chgData name="poojithsai03@gmail.com" userId="bf64c13fc2a2340e" providerId="LiveId" clId="{AF3C5371-F2E8-42E9-904A-443CBF8CADB3}" dt="2023-12-24T05:28:57.442" v="864" actId="207"/>
-          <ac:grpSpMkLst>
-            <pc:docMk/>
-            <pc:sldMk cId="3427521547" sldId="261"/>
-            <ac:grpSpMk id="15" creationId="{C24256B7-033A-C157-8310-C6CFDB928719}"/>
-          </ac:grpSpMkLst>
-        </pc:grpChg>
-        <pc:grpChg chg="add mod">
-          <ac:chgData name="poojithsai03@gmail.com" userId="bf64c13fc2a2340e" providerId="LiveId" clId="{AF3C5371-F2E8-42E9-904A-443CBF8CADB3}" dt="2023-12-24T05:28:47.585" v="863" actId="207"/>
-          <ac:grpSpMkLst>
-            <pc:docMk/>
-            <pc:sldMk cId="3427521547" sldId="261"/>
-            <ac:grpSpMk id="18" creationId="{EEE90851-3403-F06E-1B6B-E0231452B731}"/>
-          </ac:grpSpMkLst>
-        </pc:grpChg>
-        <pc:grpChg chg="add mod">
-          <ac:chgData name="poojithsai03@gmail.com" userId="bf64c13fc2a2340e" providerId="LiveId" clId="{AF3C5371-F2E8-42E9-904A-443CBF8CADB3}" dt="2023-12-24T05:28:17.662" v="862" actId="14100"/>
-          <ac:grpSpMkLst>
-            <pc:docMk/>
-            <pc:sldMk cId="3427521547" sldId="261"/>
-            <ac:grpSpMk id="21" creationId="{9D8C67C5-1BD2-F5DB-0717-AFAB142ECF93}"/>
-          </ac:grpSpMkLst>
-        </pc:grpChg>
-        <pc:grpChg chg="add del mod">
-          <ac:chgData name="poojithsai03@gmail.com" userId="bf64c13fc2a2340e" providerId="LiveId" clId="{AF3C5371-F2E8-42E9-904A-443CBF8CADB3}" dt="2024-01-03T12:04:25.123" v="949" actId="478"/>
-          <ac:grpSpMkLst>
-            <pc:docMk/>
-            <pc:sldMk cId="3427521547" sldId="261"/>
-            <ac:grpSpMk id="51" creationId="{338998AD-9D6D-50D6-C7C4-6626FF13805B}"/>
-          </ac:grpSpMkLst>
-        </pc:grpChg>
-        <pc:grpChg chg="add mod">
-          <ac:chgData name="poojithsai03@gmail.com" userId="bf64c13fc2a2340e" providerId="LiveId" clId="{AF3C5371-F2E8-42E9-904A-443CBF8CADB3}" dt="2023-12-24T05:34:20.575" v="870" actId="207"/>
-          <ac:grpSpMkLst>
-            <pc:docMk/>
-            <pc:sldMk cId="3427521547" sldId="261"/>
-            <ac:grpSpMk id="56" creationId="{F569D036-166A-D56B-7793-5EFEAA66997F}"/>
-          </ac:grpSpMkLst>
-        </pc:grpChg>
-        <pc:grpChg chg="add mod">
-          <ac:chgData name="poojithsai03@gmail.com" userId="bf64c13fc2a2340e" providerId="LiveId" clId="{AF3C5371-F2E8-42E9-904A-443CBF8CADB3}" dt="2023-12-24T05:33:33.887" v="866" actId="207"/>
-          <ac:grpSpMkLst>
-            <pc:docMk/>
-            <pc:sldMk cId="3427521547" sldId="261"/>
-            <ac:grpSpMk id="59" creationId="{8444D570-F9A9-C8DE-F52C-FD7596A246CD}"/>
-          </ac:grpSpMkLst>
-        </pc:grpChg>
-        <pc:grpChg chg="add mod">
-          <ac:chgData name="poojithsai03@gmail.com" userId="bf64c13fc2a2340e" providerId="LiveId" clId="{AF3C5371-F2E8-42E9-904A-443CBF8CADB3}" dt="2023-12-24T05:33:39.239" v="867" actId="207"/>
-          <ac:grpSpMkLst>
-            <pc:docMk/>
-            <pc:sldMk cId="3427521547" sldId="261"/>
-            <ac:grpSpMk id="62" creationId="{24C29414-3439-1B09-7DF7-066E68F5EF6E}"/>
-          </ac:grpSpMkLst>
-        </pc:grpChg>
-        <pc:grpChg chg="add mod">
-          <ac:chgData name="poojithsai03@gmail.com" userId="bf64c13fc2a2340e" providerId="LiveId" clId="{AF3C5371-F2E8-42E9-904A-443CBF8CADB3}" dt="2023-12-24T05:33:45.219" v="868" actId="207"/>
-          <ac:grpSpMkLst>
-            <pc:docMk/>
-            <pc:sldMk cId="3427521547" sldId="261"/>
-            <ac:grpSpMk id="65" creationId="{48ED5042-E628-5EFA-A8DD-447844EDC58A}"/>
-          </ac:grpSpMkLst>
-        </pc:grpChg>
-        <pc:grpChg chg="add mod">
-          <ac:chgData name="poojithsai03@gmail.com" userId="bf64c13fc2a2340e" providerId="LiveId" clId="{AF3C5371-F2E8-42E9-904A-443CBF8CADB3}" dt="2023-12-24T05:33:51.385" v="869" actId="207"/>
-          <ac:grpSpMkLst>
-            <pc:docMk/>
-            <pc:sldMk cId="3427521547" sldId="261"/>
-            <ac:grpSpMk id="68" creationId="{41E72947-3861-00EF-B6C8-BA17C330D2FA}"/>
-          </ac:grpSpMkLst>
-        </pc:grpChg>
-        <pc:graphicFrameChg chg="add del mod modGraphic">
-          <ac:chgData name="poojithsai03@gmail.com" userId="bf64c13fc2a2340e" providerId="LiveId" clId="{AF3C5371-F2E8-42E9-904A-443CBF8CADB3}" dt="2023-12-24T04:50:21.261" v="261" actId="478"/>
-          <ac:graphicFrameMkLst>
-            <pc:docMk/>
-            <pc:sldMk cId="3427521547" sldId="261"/>
-            <ac:graphicFrameMk id="6" creationId="{0BE36ADF-D42C-6FFD-6BEE-C68435B8522E}"/>
-          </ac:graphicFrameMkLst>
-        </pc:graphicFrameChg>
-        <pc:cxnChg chg="add del mod">
-          <ac:chgData name="poojithsai03@gmail.com" userId="bf64c13fc2a2340e" providerId="LiveId" clId="{AF3C5371-F2E8-42E9-904A-443CBF8CADB3}" dt="2023-12-24T04:49:43.961" v="257" actId="478"/>
-          <ac:cxnSpMkLst>
-            <pc:docMk/>
-            <pc:sldMk cId="3427521547" sldId="261"/>
-            <ac:cxnSpMk id="8" creationId="{35D4AD09-78A1-37F9-43DA-40C186CBC734}"/>
-          </ac:cxnSpMkLst>
-        </pc:cxnChg>
-        <pc:cxnChg chg="add del">
-          <ac:chgData name="poojithsai03@gmail.com" userId="bf64c13fc2a2340e" providerId="LiveId" clId="{AF3C5371-F2E8-42E9-904A-443CBF8CADB3}" dt="2023-12-24T04:53:04.461" v="425" actId="11529"/>
-          <ac:cxnSpMkLst>
-            <pc:docMk/>
-            <pc:sldMk cId="3427521547" sldId="261"/>
-            <ac:cxnSpMk id="25" creationId="{04A2B9D1-ACAB-5BD8-8802-CA0BFEB606A4}"/>
-          </ac:cxnSpMkLst>
-        </pc:cxnChg>
-        <pc:cxnChg chg="add del mod">
-          <ac:chgData name="poojithsai03@gmail.com" userId="bf64c13fc2a2340e" providerId="LiveId" clId="{AF3C5371-F2E8-42E9-904A-443CBF8CADB3}" dt="2023-12-24T04:56:02.945" v="446" actId="478"/>
-          <ac:cxnSpMkLst>
-            <pc:docMk/>
-            <pc:sldMk cId="3427521547" sldId="261"/>
-            <ac:cxnSpMk id="27" creationId="{3A161A46-F466-FD70-2705-7EDEA96662D1}"/>
-          </ac:cxnSpMkLst>
-        </pc:cxnChg>
-        <pc:cxnChg chg="add del mod">
-          <ac:chgData name="poojithsai03@gmail.com" userId="bf64c13fc2a2340e" providerId="LiveId" clId="{AF3C5371-F2E8-42E9-904A-443CBF8CADB3}" dt="2023-12-24T04:56:05.624" v="447" actId="478"/>
-          <ac:cxnSpMkLst>
-            <pc:docMk/>
-            <pc:sldMk cId="3427521547" sldId="261"/>
-            <ac:cxnSpMk id="28" creationId="{CDB6DBDC-0990-CDA5-BB32-60AA7D8B4CA1}"/>
-          </ac:cxnSpMkLst>
-        </pc:cxnChg>
-        <pc:cxnChg chg="add mod">
-          <ac:chgData name="poojithsai03@gmail.com" userId="bf64c13fc2a2340e" providerId="LiveId" clId="{AF3C5371-F2E8-42E9-904A-443CBF8CADB3}" dt="2023-12-24T05:13:41.953" v="625" actId="1076"/>
-          <ac:cxnSpMkLst>
-            <pc:docMk/>
-            <pc:sldMk cId="3427521547" sldId="261"/>
-            <ac:cxnSpMk id="31" creationId="{98C47185-34E7-FBDB-80D0-A35F1F8D18DD}"/>
-          </ac:cxnSpMkLst>
-        </pc:cxnChg>
-        <pc:cxnChg chg="add del mod">
-          <ac:chgData name="poojithsai03@gmail.com" userId="bf64c13fc2a2340e" providerId="LiveId" clId="{AF3C5371-F2E8-42E9-904A-443CBF8CADB3}" dt="2023-12-24T05:00:15.372" v="499" actId="478"/>
-          <ac:cxnSpMkLst>
-            <pc:docMk/>
-            <pc:sldMk cId="3427521547" sldId="261"/>
-            <ac:cxnSpMk id="37" creationId="{88A6C94F-83E4-E0E9-4634-486C83CBA889}"/>
-          </ac:cxnSpMkLst>
-        </pc:cxnChg>
-        <pc:cxnChg chg="add del mod">
-          <ac:chgData name="poojithsai03@gmail.com" userId="bf64c13fc2a2340e" providerId="LiveId" clId="{AF3C5371-F2E8-42E9-904A-443CBF8CADB3}" dt="2023-12-24T05:00:01.509" v="495" actId="478"/>
-          <ac:cxnSpMkLst>
-            <pc:docMk/>
-            <pc:sldMk cId="3427521547" sldId="261"/>
-            <ac:cxnSpMk id="39" creationId="{C094F18C-DC8E-5D2C-BAE5-3758D7F80C62}"/>
-          </ac:cxnSpMkLst>
-        </pc:cxnChg>
-        <pc:cxnChg chg="add mod">
-          <ac:chgData name="poojithsai03@gmail.com" userId="bf64c13fc2a2340e" providerId="LiveId" clId="{AF3C5371-F2E8-42E9-904A-443CBF8CADB3}" dt="2023-12-24T05:16:57.322" v="672" actId="1076"/>
-          <ac:cxnSpMkLst>
-            <pc:docMk/>
-            <pc:sldMk cId="3427521547" sldId="261"/>
-            <ac:cxnSpMk id="40" creationId="{92878B73-BCF0-99F7-634D-C3B691FEB46F}"/>
-          </ac:cxnSpMkLst>
-        </pc:cxnChg>
-        <pc:cxnChg chg="add mod">
-          <ac:chgData name="poojithsai03@gmail.com" userId="bf64c13fc2a2340e" providerId="LiveId" clId="{AF3C5371-F2E8-42E9-904A-443CBF8CADB3}" dt="2023-12-24T05:16:53.442" v="671" actId="1076"/>
-          <ac:cxnSpMkLst>
-            <pc:docMk/>
-            <pc:sldMk cId="3427521547" sldId="261"/>
-            <ac:cxnSpMk id="42" creationId="{294B6048-BD45-D44D-F26D-C937C5671A58}"/>
-          </ac:cxnSpMkLst>
-        </pc:cxnChg>
-        <pc:cxnChg chg="add mod">
-          <ac:chgData name="poojithsai03@gmail.com" userId="bf64c13fc2a2340e" providerId="LiveId" clId="{AF3C5371-F2E8-42E9-904A-443CBF8CADB3}" dt="2023-12-24T05:13:59.873" v="628" actId="1076"/>
-          <ac:cxnSpMkLst>
-            <pc:docMk/>
-            <pc:sldMk cId="3427521547" sldId="261"/>
-            <ac:cxnSpMk id="45" creationId="{52D6AC33-E769-B7F8-65A1-E44B934C4CF9}"/>
-          </ac:cxnSpMkLst>
-        </pc:cxnChg>
-        <pc:cxnChg chg="add mod">
-          <ac:chgData name="poojithsai03@gmail.com" userId="bf64c13fc2a2340e" providerId="LiveId" clId="{AF3C5371-F2E8-42E9-904A-443CBF8CADB3}" dt="2023-12-24T05:14:06.918" v="629" actId="1076"/>
-          <ac:cxnSpMkLst>
-            <pc:docMk/>
-            <pc:sldMk cId="3427521547" sldId="261"/>
-            <ac:cxnSpMk id="47" creationId="{3D8B23BB-E106-BCFD-26C9-7BFA117C892B}"/>
-          </ac:cxnSpMkLst>
-        </pc:cxnChg>
-        <pc:cxnChg chg="add mod">
-          <ac:chgData name="poojithsai03@gmail.com" userId="bf64c13fc2a2340e" providerId="LiveId" clId="{AF3C5371-F2E8-42E9-904A-443CBF8CADB3}" dt="2024-01-03T12:04:08.386" v="946" actId="14100"/>
-          <ac:cxnSpMkLst>
-            <pc:docMk/>
-            <pc:sldMk cId="3427521547" sldId="261"/>
-            <ac:cxnSpMk id="54" creationId="{EF16269F-D4F3-66A5-0665-90D55E88441B}"/>
-          </ac:cxnSpMkLst>
-        </pc:cxnChg>
-        <pc:cxnChg chg="add del mod">
-          <ac:chgData name="poojithsai03@gmail.com" userId="bf64c13fc2a2340e" providerId="LiveId" clId="{AF3C5371-F2E8-42E9-904A-443CBF8CADB3}" dt="2023-12-24T05:23:03.318" v="833" actId="478"/>
-          <ac:cxnSpMkLst>
-            <pc:docMk/>
-            <pc:sldMk cId="3427521547" sldId="261"/>
-            <ac:cxnSpMk id="71" creationId="{670CF324-26C2-D59D-B4EA-2CDE65C5DEB9}"/>
-          </ac:cxnSpMkLst>
-        </pc:cxnChg>
-        <pc:cxnChg chg="add mod">
-          <ac:chgData name="poojithsai03@gmail.com" userId="bf64c13fc2a2340e" providerId="LiveId" clId="{AF3C5371-F2E8-42E9-904A-443CBF8CADB3}" dt="2023-12-24T05:23:17.410" v="837" actId="1076"/>
-          <ac:cxnSpMkLst>
-            <pc:docMk/>
-            <pc:sldMk cId="3427521547" sldId="261"/>
-            <ac:cxnSpMk id="74" creationId="{10187840-7CF4-49E3-75E8-D60A18AE2DFE}"/>
-          </ac:cxnSpMkLst>
-        </pc:cxnChg>
-      </pc:sldChg>
-      <pc:sldChg chg="addSp delSp modSp new mod setBg modAnim">
-        <pc:chgData name="poojithsai03@gmail.com" userId="bf64c13fc2a2340e" providerId="LiveId" clId="{AF3C5371-F2E8-42E9-904A-443CBF8CADB3}" dt="2024-01-04T07:37:36.263" v="4433" actId="255"/>
-        <pc:sldMkLst>
-          <pc:docMk/>
-          <pc:sldMk cId="4245334122" sldId="262"/>
-        </pc:sldMkLst>
-        <pc:spChg chg="add mod">
-          <ac:chgData name="poojithsai03@gmail.com" userId="bf64c13fc2a2340e" providerId="LiveId" clId="{AF3C5371-F2E8-42E9-904A-443CBF8CADB3}" dt="2024-01-04T07:37:36.263" v="4433" actId="255"/>
-          <ac:spMkLst>
-            <pc:docMk/>
-            <pc:sldMk cId="4245334122" sldId="262"/>
-            <ac:spMk id="2" creationId="{4AB504F4-6CD6-CFD3-FD1A-3258E1586D69}"/>
-          </ac:spMkLst>
-        </pc:spChg>
-        <pc:spChg chg="del">
-          <ac:chgData name="poojithsai03@gmail.com" userId="bf64c13fc2a2340e" providerId="LiveId" clId="{AF3C5371-F2E8-42E9-904A-443CBF8CADB3}" dt="2023-12-26T17:07:56.161" v="927" actId="478"/>
-          <ac:spMkLst>
-            <pc:docMk/>
-            <pc:sldMk cId="4245334122" sldId="262"/>
-            <ac:spMk id="2" creationId="{BCC53B85-D1E4-F642-9BF2-9F3179F15C27}"/>
-          </ac:spMkLst>
-        </pc:spChg>
-        <pc:spChg chg="del">
-          <ac:chgData name="poojithsai03@gmail.com" userId="bf64c13fc2a2340e" providerId="LiveId" clId="{AF3C5371-F2E8-42E9-904A-443CBF8CADB3}" dt="2023-12-26T17:07:59.847" v="928" actId="478"/>
-          <ac:spMkLst>
-            <pc:docMk/>
-            <pc:sldMk cId="4245334122" sldId="262"/>
-            <ac:spMk id="3" creationId="{349A3B07-238E-F322-418D-81C043CF46B2}"/>
-          </ac:spMkLst>
-        </pc:spChg>
-        <pc:spChg chg="add del mod">
-          <ac:chgData name="poojithsai03@gmail.com" userId="bf64c13fc2a2340e" providerId="LiveId" clId="{AF3C5371-F2E8-42E9-904A-443CBF8CADB3}" dt="2024-01-03T15:20:25.273" v="1088" actId="931"/>
-          <ac:spMkLst>
-            <pc:docMk/>
-            <pc:sldMk cId="4245334122" sldId="262"/>
-            <ac:spMk id="11" creationId="{2C64D3DF-7E3E-9228-A991-1336BCF9F7BE}"/>
-          </ac:spMkLst>
-        </pc:spChg>
-        <pc:spChg chg="add mod">
-          <ac:chgData name="poojithsai03@gmail.com" userId="bf64c13fc2a2340e" providerId="LiveId" clId="{AF3C5371-F2E8-42E9-904A-443CBF8CADB3}" dt="2024-01-03T15:31:52.680" v="1429" actId="20577"/>
-          <ac:spMkLst>
-            <pc:docMk/>
-            <pc:sldMk cId="4245334122" sldId="262"/>
-            <ac:spMk id="17" creationId="{61E577D2-B217-84D6-D4F4-F54BF0EE9413}"/>
-          </ac:spMkLst>
-        </pc:spChg>
-        <pc:picChg chg="add mod">
-          <ac:chgData name="poojithsai03@gmail.com" userId="bf64c13fc2a2340e" providerId="LiveId" clId="{AF3C5371-F2E8-42E9-904A-443CBF8CADB3}" dt="2024-01-03T17:00:15.488" v="2590"/>
-          <ac:picMkLst>
-            <pc:docMk/>
-            <pc:sldMk cId="4245334122" sldId="262"/>
-            <ac:picMk id="4" creationId="{6D085D0F-382A-0DFD-FA69-884C5506E41A}"/>
-          </ac:picMkLst>
-        </pc:picChg>
-        <pc:picChg chg="add del mod">
-          <ac:chgData name="poojithsai03@gmail.com" userId="bf64c13fc2a2340e" providerId="LiveId" clId="{AF3C5371-F2E8-42E9-904A-443CBF8CADB3}" dt="2024-01-03T15:12:45.929" v="1060" actId="478"/>
-          <ac:picMkLst>
-            <pc:docMk/>
-            <pc:sldMk cId="4245334122" sldId="262"/>
-            <ac:picMk id="6" creationId="{F65A9B60-4F7A-7B2D-9383-708B93DEC53B}"/>
-          </ac:picMkLst>
-        </pc:picChg>
-        <pc:picChg chg="add del mod">
-          <ac:chgData name="poojithsai03@gmail.com" userId="bf64c13fc2a2340e" providerId="LiveId" clId="{AF3C5371-F2E8-42E9-904A-443CBF8CADB3}" dt="2024-01-03T15:15:12.549" v="1074" actId="478"/>
-          <ac:picMkLst>
-            <pc:docMk/>
-            <pc:sldMk cId="4245334122" sldId="262"/>
-            <ac:picMk id="8" creationId="{6764E634-9E26-C586-2E6F-8273390AB624}"/>
-          </ac:picMkLst>
-        </pc:picChg>
-        <pc:picChg chg="add del">
-          <ac:chgData name="poojithsai03@gmail.com" userId="bf64c13fc2a2340e" providerId="LiveId" clId="{AF3C5371-F2E8-42E9-904A-443CBF8CADB3}" dt="2024-01-03T15:13:55.249" v="1068" actId="22"/>
-          <ac:picMkLst>
-            <pc:docMk/>
-            <pc:sldMk cId="4245334122" sldId="262"/>
-            <ac:picMk id="10" creationId="{89611F8A-E06B-D056-380D-4D824F1473ED}"/>
-          </ac:picMkLst>
-        </pc:picChg>
-        <pc:picChg chg="add mod">
-          <ac:chgData name="poojithsai03@gmail.com" userId="bf64c13fc2a2340e" providerId="LiveId" clId="{AF3C5371-F2E8-42E9-904A-443CBF8CADB3}" dt="2024-01-03T17:00:21.902" v="2591"/>
-          <ac:picMkLst>
-            <pc:docMk/>
-            <pc:sldMk cId="4245334122" sldId="262"/>
-            <ac:picMk id="13" creationId="{DBB02673-5931-F586-DEDF-A2C4D7CEE6BD}"/>
-          </ac:picMkLst>
-        </pc:picChg>
-        <pc:picChg chg="add del mod">
-          <ac:chgData name="poojithsai03@gmail.com" userId="bf64c13fc2a2340e" providerId="LiveId" clId="{AF3C5371-F2E8-42E9-904A-443CBF8CADB3}" dt="2024-01-03T15:21:35.291" v="1091" actId="478"/>
-          <ac:picMkLst>
-            <pc:docMk/>
-            <pc:sldMk cId="4245334122" sldId="262"/>
-            <ac:picMk id="15" creationId="{8D3C06CF-2B17-E5CD-70FF-F07B226B75D5}"/>
-          </ac:picMkLst>
-        </pc:picChg>
-      </pc:sldChg>
-      <pc:sldChg chg="addSp delSp modSp add mod setBg modAnim">
-        <pc:chgData name="poojithsai03@gmail.com" userId="bf64c13fc2a2340e" providerId="LiveId" clId="{AF3C5371-F2E8-42E9-904A-443CBF8CADB3}" dt="2024-01-04T04:19:12.823" v="2730" actId="207"/>
-        <pc:sldMkLst>
-          <pc:docMk/>
-          <pc:sldMk cId="1197118753" sldId="263"/>
-        </pc:sldMkLst>
-        <pc:spChg chg="add mod">
-          <ac:chgData name="poojithsai03@gmail.com" userId="bf64c13fc2a2340e" providerId="LiveId" clId="{AF3C5371-F2E8-42E9-904A-443CBF8CADB3}" dt="2024-01-04T04:18:35.653" v="2728" actId="207"/>
-          <ac:spMkLst>
-            <pc:docMk/>
-            <pc:sldMk cId="1197118753" sldId="263"/>
-            <ac:spMk id="5" creationId="{3216635A-914A-C55E-66AB-82797EDE6F6B}"/>
-          </ac:spMkLst>
-        </pc:spChg>
-        <pc:spChg chg="add mod">
-          <ac:chgData name="poojithsai03@gmail.com" userId="bf64c13fc2a2340e" providerId="LiveId" clId="{AF3C5371-F2E8-42E9-904A-443CBF8CADB3}" dt="2024-01-04T04:19:01.844" v="2729" actId="207"/>
-          <ac:spMkLst>
-            <pc:docMk/>
-            <pc:sldMk cId="1197118753" sldId="263"/>
-            <ac:spMk id="6" creationId="{36367B65-6839-0CC6-C5EC-0387F9FD2886}"/>
-          </ac:spMkLst>
-        </pc:spChg>
-        <pc:spChg chg="add mod">
-          <ac:chgData name="poojithsai03@gmail.com" userId="bf64c13fc2a2340e" providerId="LiveId" clId="{AF3C5371-F2E8-42E9-904A-443CBF8CADB3}" dt="2024-01-04T04:19:12.823" v="2730" actId="207"/>
-          <ac:spMkLst>
-            <pc:docMk/>
-            <pc:sldMk cId="1197118753" sldId="263"/>
-            <ac:spMk id="7" creationId="{BDEE2A7B-1024-CC64-D67B-C94ED21751AA}"/>
-          </ac:spMkLst>
-        </pc:spChg>
-        <pc:spChg chg="add mod">
-          <ac:chgData name="poojithsai03@gmail.com" userId="bf64c13fc2a2340e" providerId="LiveId" clId="{AF3C5371-F2E8-42E9-904A-443CBF8CADB3}" dt="2024-01-03T15:57:22.939" v="1666" actId="122"/>
-          <ac:spMkLst>
-            <pc:docMk/>
-            <pc:sldMk cId="1197118753" sldId="263"/>
-            <ac:spMk id="8" creationId="{7AE3C1CF-84D6-EB91-4264-3B91651423FB}"/>
-          </ac:spMkLst>
-        </pc:spChg>
-        <pc:spChg chg="add mod">
-          <ac:chgData name="poojithsai03@gmail.com" userId="bf64c13fc2a2340e" providerId="LiveId" clId="{AF3C5371-F2E8-42E9-904A-443CBF8CADB3}" dt="2024-01-04T04:18:03.256" v="2726" actId="20577"/>
-          <ac:spMkLst>
-            <pc:docMk/>
-            <pc:sldMk cId="1197118753" sldId="263"/>
-            <ac:spMk id="15" creationId="{292E4223-F0EC-F4FE-7384-D44684E02F30}"/>
-          </ac:spMkLst>
-        </pc:spChg>
-        <pc:spChg chg="add mod">
-          <ac:chgData name="poojithsai03@gmail.com" userId="bf64c13fc2a2340e" providerId="LiveId" clId="{AF3C5371-F2E8-42E9-904A-443CBF8CADB3}" dt="2024-01-03T16:13:41.800" v="1984" actId="1076"/>
-          <ac:spMkLst>
-            <pc:docMk/>
-            <pc:sldMk cId="1197118753" sldId="263"/>
-            <ac:spMk id="16" creationId="{555C3826-D444-F20D-E6B1-6303C7270E21}"/>
-          </ac:spMkLst>
-        </pc:spChg>
-        <pc:graphicFrameChg chg="add mod">
-          <ac:chgData name="poojithsai03@gmail.com" userId="bf64c13fc2a2340e" providerId="LiveId" clId="{AF3C5371-F2E8-42E9-904A-443CBF8CADB3}" dt="2024-01-03T16:08:26.869" v="1770" actId="1076"/>
-          <ac:graphicFrameMkLst>
-            <pc:docMk/>
-            <pc:sldMk cId="1197118753" sldId="263"/>
-            <ac:graphicFrameMk id="2" creationId="{7D5A39ED-73CE-5C08-4EA9-817CB033CB19}"/>
-          </ac:graphicFrameMkLst>
-        </pc:graphicFrameChg>
-        <pc:graphicFrameChg chg="add mod">
-          <ac:chgData name="poojithsai03@gmail.com" userId="bf64c13fc2a2340e" providerId="LiveId" clId="{AF3C5371-F2E8-42E9-904A-443CBF8CADB3}" dt="2024-01-03T16:08:43.589" v="1772" actId="1076"/>
-          <ac:graphicFrameMkLst>
-            <pc:docMk/>
-            <pc:sldMk cId="1197118753" sldId="263"/>
-            <ac:graphicFrameMk id="3" creationId="{71773FF4-B334-89C6-0ED2-D2DD81D389E8}"/>
-          </ac:graphicFrameMkLst>
-        </pc:graphicFrameChg>
-        <pc:graphicFrameChg chg="add mod">
-          <ac:chgData name="poojithsai03@gmail.com" userId="bf64c13fc2a2340e" providerId="LiveId" clId="{AF3C5371-F2E8-42E9-904A-443CBF8CADB3}" dt="2024-01-03T16:09:22.839" v="1783" actId="1076"/>
-          <ac:graphicFrameMkLst>
-            <pc:docMk/>
-            <pc:sldMk cId="1197118753" sldId="263"/>
-            <ac:graphicFrameMk id="4" creationId="{95B87164-6D32-0912-D6FE-F2586E204A9D}"/>
-          </ac:graphicFrameMkLst>
-        </pc:graphicFrameChg>
-        <pc:cxnChg chg="add del mod">
-          <ac:chgData name="poojithsai03@gmail.com" userId="bf64c13fc2a2340e" providerId="LiveId" clId="{AF3C5371-F2E8-42E9-904A-443CBF8CADB3}" dt="2024-01-03T16:08:49.103" v="1773" actId="1076"/>
-          <ac:cxnSpMkLst>
-            <pc:docMk/>
-            <pc:sldMk cId="1197118753" sldId="263"/>
-            <ac:cxnSpMk id="10" creationId="{2A4A563C-66FC-95FE-A85D-413E0FC95782}"/>
-          </ac:cxnSpMkLst>
-        </pc:cxnChg>
-        <pc:cxnChg chg="add del mod">
-          <ac:chgData name="poojithsai03@gmail.com" userId="bf64c13fc2a2340e" providerId="LiveId" clId="{AF3C5371-F2E8-42E9-904A-443CBF8CADB3}" dt="2024-01-03T15:59:14.479" v="1697"/>
-          <ac:cxnSpMkLst>
-            <pc:docMk/>
-            <pc:sldMk cId="1197118753" sldId="263"/>
-            <ac:cxnSpMk id="11" creationId="{EEF7F023-EB58-8AAC-C9D1-04E8D7552EFB}"/>
-          </ac:cxnSpMkLst>
-        </pc:cxnChg>
-        <pc:cxnChg chg="add mod">
-          <ac:chgData name="poojithsai03@gmail.com" userId="bf64c13fc2a2340e" providerId="LiveId" clId="{AF3C5371-F2E8-42E9-904A-443CBF8CADB3}" dt="2024-01-03T16:08:12.929" v="1767" actId="14100"/>
-          <ac:cxnSpMkLst>
-            <pc:docMk/>
-            <pc:sldMk cId="1197118753" sldId="263"/>
-            <ac:cxnSpMk id="13" creationId="{98764CAE-AE63-3293-4A19-F24D5BFBD21E}"/>
-          </ac:cxnSpMkLst>
-        </pc:cxnChg>
-      </pc:sldChg>
-      <pc:sldChg chg="new del">
-        <pc:chgData name="poojithsai03@gmail.com" userId="bf64c13fc2a2340e" providerId="LiveId" clId="{AF3C5371-F2E8-42E9-904A-443CBF8CADB3}" dt="2024-01-03T15:01:27.863" v="998" actId="47"/>
-        <pc:sldMkLst>
-          <pc:docMk/>
-          <pc:sldMk cId="1952832829" sldId="263"/>
-        </pc:sldMkLst>
-      </pc:sldChg>
-      <pc:sldChg chg="addSp delSp modSp add mod setBg delAnim modAnim">
-        <pc:chgData name="poojithsai03@gmail.com" userId="bf64c13fc2a2340e" providerId="LiveId" clId="{AF3C5371-F2E8-42E9-904A-443CBF8CADB3}" dt="2024-01-04T06:58:44.792" v="4334"/>
-        <pc:sldMkLst>
-          <pc:docMk/>
-          <pc:sldMk cId="874219531" sldId="264"/>
-        </pc:sldMkLst>
-        <pc:spChg chg="add del mod">
-          <ac:chgData name="poojithsai03@gmail.com" userId="bf64c13fc2a2340e" providerId="LiveId" clId="{AF3C5371-F2E8-42E9-904A-443CBF8CADB3}" dt="2024-01-03T17:01:23.190" v="2595" actId="1076"/>
-          <ac:spMkLst>
-            <pc:docMk/>
-            <pc:sldMk cId="874219531" sldId="264"/>
-            <ac:spMk id="4" creationId="{553AAAE5-A107-9163-084D-D9025C4C36C8}"/>
-          </ac:spMkLst>
-        </pc:spChg>
-        <pc:spChg chg="add del mod">
-          <ac:chgData name="poojithsai03@gmail.com" userId="bf64c13fc2a2340e" providerId="LiveId" clId="{AF3C5371-F2E8-42E9-904A-443CBF8CADB3}" dt="2024-01-03T16:41:57.234" v="2334" actId="478"/>
-          <ac:spMkLst>
-            <pc:docMk/>
-            <pc:sldMk cId="874219531" sldId="264"/>
-            <ac:spMk id="5" creationId="{C7F275F1-EAAF-32CB-8874-9610B0928163}"/>
-          </ac:spMkLst>
-        </pc:spChg>
-        <pc:spChg chg="add del mod">
-          <ac:chgData name="poojithsai03@gmail.com" userId="bf64c13fc2a2340e" providerId="LiveId" clId="{AF3C5371-F2E8-42E9-904A-443CBF8CADB3}" dt="2024-01-03T16:42:03.455" v="2336" actId="478"/>
-          <ac:spMkLst>
-            <pc:docMk/>
-            <pc:sldMk cId="874219531" sldId="264"/>
-            <ac:spMk id="7" creationId="{B2C8C5CC-AC39-8634-2A75-0A2AD6B6BC2E}"/>
-          </ac:spMkLst>
-        </pc:spChg>
-        <pc:graphicFrameChg chg="add mod modGraphic">
-          <ac:chgData name="poojithsai03@gmail.com" userId="bf64c13fc2a2340e" providerId="LiveId" clId="{AF3C5371-F2E8-42E9-904A-443CBF8CADB3}" dt="2024-01-04T04:39:22.513" v="2744" actId="931"/>
-          <ac:graphicFrameMkLst>
-            <pc:docMk/>
-            <pc:sldMk cId="874219531" sldId="264"/>
-            <ac:graphicFrameMk id="8" creationId="{E27A08EA-4C00-ADE2-07AD-0C1DFE01B513}"/>
-          </ac:graphicFrameMkLst>
-        </pc:graphicFrameChg>
-        <pc:picChg chg="add del mod">
-          <ac:chgData name="poojithsai03@gmail.com" userId="bf64c13fc2a2340e" providerId="LiveId" clId="{AF3C5371-F2E8-42E9-904A-443CBF8CADB3}" dt="2024-01-03T16:41:48.069" v="2332" actId="21"/>
-          <ac:picMkLst>
-            <pc:docMk/>
-            <pc:sldMk cId="874219531" sldId="264"/>
-            <ac:picMk id="3" creationId="{EB8F09B3-B51D-1B29-9747-15C9C37D1F45}"/>
-          </ac:picMkLst>
-        </pc:picChg>
-        <pc:picChg chg="add del mod">
-          <ac:chgData name="poojithsai03@gmail.com" userId="bf64c13fc2a2340e" providerId="LiveId" clId="{AF3C5371-F2E8-42E9-904A-443CBF8CADB3}" dt="2024-01-04T04:21:47.558" v="2743" actId="478"/>
-          <ac:picMkLst>
-            <pc:docMk/>
-            <pc:sldMk cId="874219531" sldId="264"/>
-            <ac:picMk id="10" creationId="{14064CB1-FDA3-1517-6A2A-59C868E3BF6D}"/>
-          </ac:picMkLst>
-        </pc:picChg>
-      </pc:sldChg>
-      <pc:sldChg chg="addSp delSp modSp new mod setBg modAnim">
-        <pc:chgData name="poojithsai03@gmail.com" userId="bf64c13fc2a2340e" providerId="LiveId" clId="{AF3C5371-F2E8-42E9-904A-443CBF8CADB3}" dt="2024-01-04T06:59:29.232" v="4343"/>
-        <pc:sldMkLst>
-          <pc:docMk/>
-          <pc:sldMk cId="3772665811" sldId="265"/>
-        </pc:sldMkLst>
-        <pc:spChg chg="add mod">
-          <ac:chgData name="poojithsai03@gmail.com" userId="bf64c13fc2a2340e" providerId="LiveId" clId="{AF3C5371-F2E8-42E9-904A-443CBF8CADB3}" dt="2024-01-04T05:56:46.982" v="3275" actId="20577"/>
-          <ac:spMkLst>
-            <pc:docMk/>
-            <pc:sldMk cId="3772665811" sldId="265"/>
-            <ac:spMk id="2" creationId="{105FC6EE-28E1-BBCD-86B7-F00CC8262FCE}"/>
-          </ac:spMkLst>
-        </pc:spChg>
-        <pc:spChg chg="del">
-          <ac:chgData name="poojithsai03@gmail.com" userId="bf64c13fc2a2340e" providerId="LiveId" clId="{AF3C5371-F2E8-42E9-904A-443CBF8CADB3}" dt="2024-01-03T16:44:25.499" v="2492" actId="478"/>
-          <ac:spMkLst>
-            <pc:docMk/>
-            <pc:sldMk cId="3772665811" sldId="265"/>
-            <ac:spMk id="2" creationId="{BC6B2BA2-60DE-E6B6-75E5-36DD5BDEB17D}"/>
-          </ac:spMkLst>
-        </pc:spChg>
-        <pc:spChg chg="del">
-          <ac:chgData name="poojithsai03@gmail.com" userId="bf64c13fc2a2340e" providerId="LiveId" clId="{AF3C5371-F2E8-42E9-904A-443CBF8CADB3}" dt="2024-01-03T16:44:29.554" v="2493" actId="478"/>
-          <ac:spMkLst>
-            <pc:docMk/>
-            <pc:sldMk cId="3772665811" sldId="265"/>
-            <ac:spMk id="3" creationId="{E561D8B0-4DD3-B76B-DC5E-028040B19A69}"/>
-          </ac:spMkLst>
-        </pc:spChg>
-        <pc:spChg chg="add mod">
-          <ac:chgData name="poojithsai03@gmail.com" userId="bf64c13fc2a2340e" providerId="LiveId" clId="{AF3C5371-F2E8-42E9-904A-443CBF8CADB3}" dt="2024-01-03T16:44:55.419" v="2525" actId="20577"/>
-          <ac:spMkLst>
-            <pc:docMk/>
-            <pc:sldMk cId="3772665811" sldId="265"/>
-            <ac:spMk id="4" creationId="{3976B2D6-D598-B7E3-D6EC-02B4D5DC758B}"/>
-          </ac:spMkLst>
-        </pc:spChg>
-        <pc:picChg chg="add mod">
-          <ac:chgData name="poojithsai03@gmail.com" userId="bf64c13fc2a2340e" providerId="LiveId" clId="{AF3C5371-F2E8-42E9-904A-443CBF8CADB3}" dt="2024-01-04T05:48:36.079" v="3142" actId="1440"/>
-          <ac:picMkLst>
-            <pc:docMk/>
-            <pc:sldMk cId="3772665811" sldId="265"/>
-            <ac:picMk id="6" creationId="{616F73FB-AEC1-B364-3929-F9F5A585533C}"/>
-          </ac:picMkLst>
-        </pc:picChg>
-      </pc:sldChg>
-      <pc:sldChg chg="addSp delSp modSp new mod setBg delAnim modAnim">
-        <pc:chgData name="poojithsai03@gmail.com" userId="bf64c13fc2a2340e" providerId="LiveId" clId="{AF3C5371-F2E8-42E9-904A-443CBF8CADB3}" dt="2024-01-04T16:12:29.780" v="4481" actId="1440"/>
-        <pc:sldMkLst>
-          <pc:docMk/>
-          <pc:sldMk cId="361063505" sldId="266"/>
-        </pc:sldMkLst>
-        <pc:spChg chg="mod">
-          <ac:chgData name="poojithsai03@gmail.com" userId="bf64c13fc2a2340e" providerId="LiveId" clId="{AF3C5371-F2E8-42E9-904A-443CBF8CADB3}" dt="2024-01-03T16:42:27.752" v="2414" actId="27636"/>
-          <ac:spMkLst>
-            <pc:docMk/>
-            <pc:sldMk cId="361063505" sldId="266"/>
-            <ac:spMk id="2" creationId="{ABD6F54D-BCD0-2E06-51CE-195B9E3332ED}"/>
-          </ac:spMkLst>
-        </pc:spChg>
-        <pc:spChg chg="del">
-          <ac:chgData name="poojithsai03@gmail.com" userId="bf64c13fc2a2340e" providerId="LiveId" clId="{AF3C5371-F2E8-42E9-904A-443CBF8CADB3}" dt="2024-01-03T16:46:05.193" v="2531" actId="478"/>
-          <ac:spMkLst>
-            <pc:docMk/>
-            <pc:sldMk cId="361063505" sldId="266"/>
-            <ac:spMk id="3" creationId="{90DB9B7F-CDA4-7BF5-6B95-5547FDCCE39B}"/>
-          </ac:spMkLst>
-        </pc:spChg>
-        <pc:spChg chg="add mod">
-          <ac:chgData name="poojithsai03@gmail.com" userId="bf64c13fc2a2340e" providerId="LiveId" clId="{AF3C5371-F2E8-42E9-904A-443CBF8CADB3}" dt="2024-01-04T16:12:18.395" v="4480" actId="20577"/>
-          <ac:spMkLst>
-            <pc:docMk/>
-            <pc:sldMk cId="361063505" sldId="266"/>
-            <ac:spMk id="3" creationId="{F90FDD6E-8490-CD84-6CDB-DC46F6A195E0}"/>
-          </ac:spMkLst>
-        </pc:spChg>
-        <pc:spChg chg="add del mod">
-          <ac:chgData name="poojithsai03@gmail.com" userId="bf64c13fc2a2340e" providerId="LiveId" clId="{AF3C5371-F2E8-42E9-904A-443CBF8CADB3}" dt="2024-01-04T04:48:14.962" v="2902"/>
-          <ac:spMkLst>
-            <pc:docMk/>
-            <pc:sldMk cId="361063505" sldId="266"/>
-            <ac:spMk id="4" creationId="{3010C514-6413-BD4C-A31C-E0380456E0FB}"/>
-          </ac:spMkLst>
-        </pc:spChg>
-        <pc:spChg chg="add del">
-          <ac:chgData name="poojithsai03@gmail.com" userId="bf64c13fc2a2340e" providerId="LiveId" clId="{AF3C5371-F2E8-42E9-904A-443CBF8CADB3}" dt="2024-01-04T04:41:56.301" v="2755" actId="478"/>
-          <ac:spMkLst>
-            <pc:docMk/>
-            <pc:sldMk cId="361063505" sldId="266"/>
-            <ac:spMk id="6" creationId="{67B558B5-7D18-442D-70CE-4C51BEC37676}"/>
-          </ac:spMkLst>
-        </pc:spChg>
-        <pc:spChg chg="add del mod">
-          <ac:chgData name="poojithsai03@gmail.com" userId="bf64c13fc2a2340e" providerId="LiveId" clId="{AF3C5371-F2E8-42E9-904A-443CBF8CADB3}" dt="2024-01-04T04:41:50.942" v="2753"/>
-          <ac:spMkLst>
-            <pc:docMk/>
-            <pc:sldMk cId="361063505" sldId="266"/>
-            <ac:spMk id="7" creationId="{05F9E1FF-F82E-A961-8ABE-DE571C3D9B8A}"/>
-          </ac:spMkLst>
-        </pc:spChg>
-        <pc:spChg chg="add del">
-          <ac:chgData name="poojithsai03@gmail.com" userId="bf64c13fc2a2340e" providerId="LiveId" clId="{AF3C5371-F2E8-42E9-904A-443CBF8CADB3}" dt="2024-01-03T16:42:13.301" v="2338" actId="22"/>
-          <ac:spMkLst>
-            <pc:docMk/>
-            <pc:sldMk cId="361063505" sldId="266"/>
-            <ac:spMk id="7" creationId="{E1A28EFE-E76D-69E5-77E3-D1E06C1FC119}"/>
-          </ac:spMkLst>
-        </pc:spChg>
-        <pc:spChg chg="add del mod">
-          <ac:chgData name="poojithsai03@gmail.com" userId="bf64c13fc2a2340e" providerId="LiveId" clId="{AF3C5371-F2E8-42E9-904A-443CBF8CADB3}" dt="2024-01-04T04:43:57.062" v="2864" actId="478"/>
-          <ac:spMkLst>
-            <pc:docMk/>
-            <pc:sldMk cId="361063505" sldId="266"/>
-            <ac:spMk id="8" creationId="{781ABBF3-2751-85CB-C424-5613EB55F34F}"/>
-          </ac:spMkLst>
-        </pc:spChg>
-        <pc:spChg chg="add del mod">
-          <ac:chgData name="poojithsai03@gmail.com" userId="bf64c13fc2a2340e" providerId="LiveId" clId="{AF3C5371-F2E8-42E9-904A-443CBF8CADB3}" dt="2024-01-04T04:46:07.211" v="2891" actId="478"/>
-          <ac:spMkLst>
-            <pc:docMk/>
-            <pc:sldMk cId="361063505" sldId="266"/>
-            <ac:spMk id="9" creationId="{50D19818-8184-5316-922C-32D0174BCCD1}"/>
-          </ac:spMkLst>
-        </pc:spChg>
-        <pc:picChg chg="add del mod">
-          <ac:chgData name="poojithsai03@gmail.com" userId="bf64c13fc2a2340e" providerId="LiveId" clId="{AF3C5371-F2E8-42E9-904A-443CBF8CADB3}" dt="2024-01-03T16:41:37.950" v="2330"/>
-          <ac:picMkLst>
-            <pc:docMk/>
-            <pc:sldMk cId="361063505" sldId="266"/>
-            <ac:picMk id="4" creationId="{4D8296D4-F923-E482-AA6D-209CD072359C}"/>
-          </ac:picMkLst>
-        </pc:picChg>
-        <pc:picChg chg="add del mod">
-          <ac:chgData name="poojithsai03@gmail.com" userId="bf64c13fc2a2340e" providerId="LiveId" clId="{AF3C5371-F2E8-42E9-904A-443CBF8CADB3}" dt="2024-01-04T16:10:57.417" v="4434" actId="478"/>
-          <ac:picMkLst>
-            <pc:docMk/>
-            <pc:sldMk cId="361063505" sldId="266"/>
-            <ac:picMk id="5" creationId="{C2C6A5C8-CB80-641E-A44B-7F2C21C68F5A}"/>
-          </ac:picMkLst>
-        </pc:picChg>
-        <pc:picChg chg="add mod">
-          <ac:chgData name="poojithsai03@gmail.com" userId="bf64c13fc2a2340e" providerId="LiveId" clId="{AF3C5371-F2E8-42E9-904A-443CBF8CADB3}" dt="2024-01-04T16:12:29.780" v="4481" actId="1440"/>
-          <ac:picMkLst>
-            <pc:docMk/>
-            <pc:sldMk cId="361063505" sldId="266"/>
-            <ac:picMk id="1026" creationId="{E68BE36E-B17D-8B22-599F-ECC74A411FB4}"/>
-          </ac:picMkLst>
-        </pc:picChg>
-      </pc:sldChg>
-      <pc:sldChg chg="addSp delSp modSp new mod setBg modAnim">
-        <pc:chgData name="poojithsai03@gmail.com" userId="bf64c13fc2a2340e" providerId="LiveId" clId="{AF3C5371-F2E8-42E9-904A-443CBF8CADB3}" dt="2024-01-04T06:59:10.279" v="4338"/>
-        <pc:sldMkLst>
-          <pc:docMk/>
-          <pc:sldMk cId="3777116011" sldId="267"/>
-        </pc:sldMkLst>
-        <pc:spChg chg="add mod">
-          <ac:chgData name="poojithsai03@gmail.com" userId="bf64c13fc2a2340e" providerId="LiveId" clId="{AF3C5371-F2E8-42E9-904A-443CBF8CADB3}" dt="2024-01-04T05:56:27.562" v="3244" actId="20577"/>
-          <ac:spMkLst>
-            <pc:docMk/>
-            <pc:sldMk cId="3777116011" sldId="267"/>
-            <ac:spMk id="2" creationId="{2A6BF683-B799-C8C7-FC2B-F0AFED5734A4}"/>
-          </ac:spMkLst>
-        </pc:spChg>
-        <pc:spChg chg="del">
-          <ac:chgData name="poojithsai03@gmail.com" userId="bf64c13fc2a2340e" providerId="LiveId" clId="{AF3C5371-F2E8-42E9-904A-443CBF8CADB3}" dt="2024-01-03T16:43:30.235" v="2420" actId="478"/>
-          <ac:spMkLst>
-            <pc:docMk/>
-            <pc:sldMk cId="3777116011" sldId="267"/>
-            <ac:spMk id="2" creationId="{3EDB2E35-AE26-CFBA-F8F5-E342D9AC5C08}"/>
-          </ac:spMkLst>
-        </pc:spChg>
-        <pc:spChg chg="del">
-          <ac:chgData name="poojithsai03@gmail.com" userId="bf64c13fc2a2340e" providerId="LiveId" clId="{AF3C5371-F2E8-42E9-904A-443CBF8CADB3}" dt="2024-01-03T16:43:33.999" v="2421" actId="478"/>
-          <ac:spMkLst>
-            <pc:docMk/>
-            <pc:sldMk cId="3777116011" sldId="267"/>
-            <ac:spMk id="3" creationId="{7473099F-A226-9998-E80B-E6FADD7BE6FF}"/>
-          </ac:spMkLst>
-        </pc:spChg>
-        <pc:spChg chg="add mod">
-          <ac:chgData name="poojithsai03@gmail.com" userId="bf64c13fc2a2340e" providerId="LiveId" clId="{AF3C5371-F2E8-42E9-904A-443CBF8CADB3}" dt="2024-01-04T05:16:03.763" v="3019" actId="1076"/>
-          <ac:spMkLst>
-            <pc:docMk/>
-            <pc:sldMk cId="3777116011" sldId="267"/>
-            <ac:spMk id="4" creationId="{9BA07A19-861C-8C64-6A82-200FB0218CDC}"/>
-          </ac:spMkLst>
-        </pc:spChg>
-        <pc:picChg chg="add mod">
-          <ac:chgData name="poojithsai03@gmail.com" userId="bf64c13fc2a2340e" providerId="LiveId" clId="{AF3C5371-F2E8-42E9-904A-443CBF8CADB3}" dt="2024-01-04T05:03:42.497" v="2959" actId="1440"/>
-          <ac:picMkLst>
-            <pc:docMk/>
-            <pc:sldMk cId="3777116011" sldId="267"/>
-            <ac:picMk id="6" creationId="{C7877410-11E0-5A4F-70C8-9F81487A67D7}"/>
-          </ac:picMkLst>
-        </pc:picChg>
-      </pc:sldChg>
-      <pc:sldChg chg="addSp delSp modSp new mod setBg modAnim">
-        <pc:chgData name="poojithsai03@gmail.com" userId="bf64c13fc2a2340e" providerId="LiveId" clId="{AF3C5371-F2E8-42E9-904A-443CBF8CADB3}" dt="2024-01-04T06:59:22.107" v="4341"/>
-        <pc:sldMkLst>
-          <pc:docMk/>
-          <pc:sldMk cId="2691670831" sldId="268"/>
-        </pc:sldMkLst>
-        <pc:spChg chg="del">
-          <ac:chgData name="poojithsai03@gmail.com" userId="bf64c13fc2a2340e" providerId="LiveId" clId="{AF3C5371-F2E8-42E9-904A-443CBF8CADB3}" dt="2024-01-03T16:44:02.890" v="2451" actId="478"/>
-          <ac:spMkLst>
-            <pc:docMk/>
-            <pc:sldMk cId="2691670831" sldId="268"/>
-            <ac:spMk id="2" creationId="{0289BCDC-F24D-3F64-7FD6-C7484C9635D4}"/>
-          </ac:spMkLst>
-        </pc:spChg>
-        <pc:spChg chg="add mod">
-          <ac:chgData name="poojithsai03@gmail.com" userId="bf64c13fc2a2340e" providerId="LiveId" clId="{AF3C5371-F2E8-42E9-904A-443CBF8CADB3}" dt="2024-01-04T05:56:34.842" v="3256" actId="20577"/>
-          <ac:spMkLst>
-            <pc:docMk/>
-            <pc:sldMk cId="2691670831" sldId="268"/>
-            <ac:spMk id="2" creationId="{97EACF11-299C-5030-19FC-7C78D8A78209}"/>
-          </ac:spMkLst>
-        </pc:spChg>
-        <pc:spChg chg="del">
-          <ac:chgData name="poojithsai03@gmail.com" userId="bf64c13fc2a2340e" providerId="LiveId" clId="{AF3C5371-F2E8-42E9-904A-443CBF8CADB3}" dt="2024-01-03T16:43:58.993" v="2450" actId="478"/>
-          <ac:spMkLst>
-            <pc:docMk/>
-            <pc:sldMk cId="2691670831" sldId="268"/>
-            <ac:spMk id="3" creationId="{6CF89CF8-A86A-72D5-72EF-3938BC4B4E3B}"/>
-          </ac:spMkLst>
-        </pc:spChg>
-        <pc:spChg chg="add mod">
-          <ac:chgData name="poojithsai03@gmail.com" userId="bf64c13fc2a2340e" providerId="LiveId" clId="{AF3C5371-F2E8-42E9-904A-443CBF8CADB3}" dt="2024-01-03T16:44:19.825" v="2491" actId="20577"/>
-          <ac:spMkLst>
-            <pc:docMk/>
-            <pc:sldMk cId="2691670831" sldId="268"/>
-            <ac:spMk id="4" creationId="{67E4DDEC-3308-8596-013D-DF02254F1047}"/>
-          </ac:spMkLst>
-        </pc:spChg>
-        <pc:picChg chg="add mod">
-          <ac:chgData name="poojithsai03@gmail.com" userId="bf64c13fc2a2340e" providerId="LiveId" clId="{AF3C5371-F2E8-42E9-904A-443CBF8CADB3}" dt="2024-01-04T05:28:04.432" v="3043" actId="1440"/>
-          <ac:picMkLst>
-            <pc:docMk/>
-            <pc:sldMk cId="2691670831" sldId="268"/>
-            <ac:picMk id="6" creationId="{8DEA0B17-0E23-E3E6-811C-D37F450FE989}"/>
-          </ac:picMkLst>
-        </pc:picChg>
-      </pc:sldChg>
-      <pc:sldChg chg="addSp delSp modSp new mod setBg modAnim">
-        <pc:chgData name="poojithsai03@gmail.com" userId="bf64c13fc2a2340e" providerId="LiveId" clId="{AF3C5371-F2E8-42E9-904A-443CBF8CADB3}" dt="2024-01-04T06:59:14.604" v="4339"/>
-        <pc:sldMkLst>
-          <pc:docMk/>
-          <pc:sldMk cId="1458090710" sldId="269"/>
-        </pc:sldMkLst>
-        <pc:spChg chg="del">
-          <ac:chgData name="poojithsai03@gmail.com" userId="bf64c13fc2a2340e" providerId="LiveId" clId="{AF3C5371-F2E8-42E9-904A-443CBF8CADB3}" dt="2024-01-03T16:50:52.079" v="2537" actId="478"/>
-          <ac:spMkLst>
-            <pc:docMk/>
-            <pc:sldMk cId="1458090710" sldId="269"/>
-            <ac:spMk id="2" creationId="{11753801-D759-979B-93C1-9AD4605CEFF4}"/>
-          </ac:spMkLst>
-        </pc:spChg>
-        <pc:spChg chg="del">
-          <ac:chgData name="poojithsai03@gmail.com" userId="bf64c13fc2a2340e" providerId="LiveId" clId="{AF3C5371-F2E8-42E9-904A-443CBF8CADB3}" dt="2024-01-03T16:50:50.350" v="2536" actId="478"/>
-          <ac:spMkLst>
-            <pc:docMk/>
-            <pc:sldMk cId="1458090710" sldId="269"/>
-            <ac:spMk id="3" creationId="{704FCADF-E6BE-D750-9220-2119B5A95F7D}"/>
-          </ac:spMkLst>
-        </pc:spChg>
-        <pc:spChg chg="add mod">
-          <ac:chgData name="poojithsai03@gmail.com" userId="bf64c13fc2a2340e" providerId="LiveId" clId="{AF3C5371-F2E8-42E9-904A-443CBF8CADB3}" dt="2024-01-04T05:20:07.042" v="3030" actId="122"/>
-          <ac:spMkLst>
-            <pc:docMk/>
-            <pc:sldMk cId="1458090710" sldId="269"/>
-            <ac:spMk id="6" creationId="{F7F5FAB4-828F-C7DD-143C-EAF9137AF9BF}"/>
-          </ac:spMkLst>
-        </pc:spChg>
-        <pc:picChg chg="add mod">
-          <ac:chgData name="poojithsai03@gmail.com" userId="bf64c13fc2a2340e" providerId="LiveId" clId="{AF3C5371-F2E8-42E9-904A-443CBF8CADB3}" dt="2024-01-04T05:27:18.812" v="3041" actId="14100"/>
-          <ac:picMkLst>
-            <pc:docMk/>
-            <pc:sldMk cId="1458090710" sldId="269"/>
-            <ac:picMk id="5" creationId="{3D589585-8521-9C60-F5D1-58947F610216}"/>
-          </ac:picMkLst>
-        </pc:picChg>
-      </pc:sldChg>
-      <pc:sldChg chg="addSp delSp modSp new mod setBg modAnim">
-        <pc:chgData name="poojithsai03@gmail.com" userId="bf64c13fc2a2340e" providerId="LiveId" clId="{AF3C5371-F2E8-42E9-904A-443CBF8CADB3}" dt="2024-01-04T06:59:38.865" v="4345"/>
-        <pc:sldMkLst>
-          <pc:docMk/>
-          <pc:sldMk cId="2612418187" sldId="270"/>
-        </pc:sldMkLst>
-        <pc:spChg chg="del">
-          <ac:chgData name="poojithsai03@gmail.com" userId="bf64c13fc2a2340e" providerId="LiveId" clId="{AF3C5371-F2E8-42E9-904A-443CBF8CADB3}" dt="2024-01-04T05:57:30.964" v="3278" actId="478"/>
-          <ac:spMkLst>
-            <pc:docMk/>
-            <pc:sldMk cId="2612418187" sldId="270"/>
-            <ac:spMk id="2" creationId="{2D7ADA81-DF67-B324-0F66-C25FA0C9C1C2}"/>
-          </ac:spMkLst>
-        </pc:spChg>
-        <pc:spChg chg="del">
-          <ac:chgData name="poojithsai03@gmail.com" userId="bf64c13fc2a2340e" providerId="LiveId" clId="{AF3C5371-F2E8-42E9-904A-443CBF8CADB3}" dt="2024-01-04T05:57:28.582" v="3277" actId="478"/>
-          <ac:spMkLst>
-            <pc:docMk/>
-            <pc:sldMk cId="2612418187" sldId="270"/>
-            <ac:spMk id="3" creationId="{C7738D25-1DC1-CCD5-C3C0-F38837834585}"/>
-          </ac:spMkLst>
-        </pc:spChg>
-        <pc:spChg chg="add mod">
-          <ac:chgData name="poojithsai03@gmail.com" userId="bf64c13fc2a2340e" providerId="LiveId" clId="{AF3C5371-F2E8-42E9-904A-443CBF8CADB3}" dt="2024-01-04T06:18:50.931" v="3565" actId="692"/>
-          <ac:spMkLst>
-            <pc:docMk/>
-            <pc:sldMk cId="2612418187" sldId="270"/>
-            <ac:spMk id="5" creationId="{0CCA6D51-41FB-D3EF-281D-4E7A65204A48}"/>
-          </ac:spMkLst>
-        </pc:spChg>
-        <pc:spChg chg="add mod">
-          <ac:chgData name="poojithsai03@gmail.com" userId="bf64c13fc2a2340e" providerId="LiveId" clId="{AF3C5371-F2E8-42E9-904A-443CBF8CADB3}" dt="2024-01-04T06:18:57.691" v="3566" actId="692"/>
-          <ac:spMkLst>
-            <pc:docMk/>
-            <pc:sldMk cId="2612418187" sldId="270"/>
-            <ac:spMk id="6" creationId="{17E59712-804B-6FBC-878A-AB9F23AAF1FB}"/>
-          </ac:spMkLst>
-        </pc:spChg>
-        <pc:graphicFrameChg chg="add mod modGraphic">
-          <ac:chgData name="poojithsai03@gmail.com" userId="bf64c13fc2a2340e" providerId="LiveId" clId="{AF3C5371-F2E8-42E9-904A-443CBF8CADB3}" dt="2024-01-04T06:17:09.472" v="3544" actId="20577"/>
-          <ac:graphicFrameMkLst>
-            <pc:docMk/>
-            <pc:sldMk cId="2612418187" sldId="270"/>
-            <ac:graphicFrameMk id="4" creationId="{43FBE8AF-6464-8031-EF53-91D3011C6A54}"/>
-          </ac:graphicFrameMkLst>
-        </pc:graphicFrameChg>
-      </pc:sldChg>
-      <pc:sldChg chg="addSp delSp modSp new mod setBg modAnim">
-        <pc:chgData name="poojithsai03@gmail.com" userId="bf64c13fc2a2340e" providerId="LiveId" clId="{AF3C5371-F2E8-42E9-904A-443CBF8CADB3}" dt="2024-01-04T06:59:55.927" v="4347"/>
-        <pc:sldMkLst>
-          <pc:docMk/>
-          <pc:sldMk cId="2088772071" sldId="271"/>
-        </pc:sldMkLst>
-        <pc:spChg chg="del">
-          <ac:chgData name="poojithsai03@gmail.com" userId="bf64c13fc2a2340e" providerId="LiveId" clId="{AF3C5371-F2E8-42E9-904A-443CBF8CADB3}" dt="2024-01-04T06:21:14.552" v="3572" actId="478"/>
-          <ac:spMkLst>
-            <pc:docMk/>
-            <pc:sldMk cId="2088772071" sldId="271"/>
-            <ac:spMk id="2" creationId="{EF31A3C3-C06D-1012-C749-4C0C00198C6D}"/>
-          </ac:spMkLst>
-        </pc:spChg>
-        <pc:spChg chg="del">
-          <ac:chgData name="poojithsai03@gmail.com" userId="bf64c13fc2a2340e" providerId="LiveId" clId="{AF3C5371-F2E8-42E9-904A-443CBF8CADB3}" dt="2024-01-04T06:20:26.924" v="3568" actId="931"/>
-          <ac:spMkLst>
-            <pc:docMk/>
-            <pc:sldMk cId="2088772071" sldId="271"/>
-            <ac:spMk id="3" creationId="{0FCF6197-3838-7DE4-AF06-A955650BCFC5}"/>
-          </ac:spMkLst>
-        </pc:spChg>
-        <pc:spChg chg="add del mod">
-          <ac:chgData name="poojithsai03@gmail.com" userId="bf64c13fc2a2340e" providerId="LiveId" clId="{AF3C5371-F2E8-42E9-904A-443CBF8CADB3}" dt="2024-01-04T06:21:07.819" v="3570" actId="931"/>
-          <ac:spMkLst>
-            <pc:docMk/>
-            <pc:sldMk cId="2088772071" sldId="271"/>
-            <ac:spMk id="7" creationId="{B8BE6786-6423-291D-4510-673096E202BE}"/>
-          </ac:spMkLst>
-        </pc:spChg>
-        <pc:spChg chg="add mod">
-          <ac:chgData name="poojithsai03@gmail.com" userId="bf64c13fc2a2340e" providerId="LiveId" clId="{AF3C5371-F2E8-42E9-904A-443CBF8CADB3}" dt="2024-01-04T06:21:49.311" v="3612" actId="20577"/>
-          <ac:spMkLst>
-            <pc:docMk/>
-            <pc:sldMk cId="2088772071" sldId="271"/>
-            <ac:spMk id="10" creationId="{76D15338-70BE-138A-DCF5-0F990070F1D7}"/>
-          </ac:spMkLst>
-        </pc:spChg>
-        <pc:spChg chg="add mod">
-          <ac:chgData name="poojithsai03@gmail.com" userId="bf64c13fc2a2340e" providerId="LiveId" clId="{AF3C5371-F2E8-42E9-904A-443CBF8CADB3}" dt="2024-01-04T06:56:33.397" v="4294" actId="1076"/>
-          <ac:spMkLst>
-            <pc:docMk/>
-            <pc:sldMk cId="2088772071" sldId="271"/>
-            <ac:spMk id="11" creationId="{8608A6C3-11B1-88A7-3D5D-B3584E27C56C}"/>
-          </ac:spMkLst>
-        </pc:spChg>
-        <pc:spChg chg="add mod">
-          <ac:chgData name="poojithsai03@gmail.com" userId="bf64c13fc2a2340e" providerId="LiveId" clId="{AF3C5371-F2E8-42E9-904A-443CBF8CADB3}" dt="2024-01-04T06:38:00.084" v="4070" actId="14100"/>
-          <ac:spMkLst>
-            <pc:docMk/>
-            <pc:sldMk cId="2088772071" sldId="271"/>
-            <ac:spMk id="12" creationId="{57DA6D01-E222-FA36-3A82-34E4E4574DD0}"/>
-          </ac:spMkLst>
-        </pc:spChg>
-        <pc:spChg chg="add mod">
-          <ac:chgData name="poojithsai03@gmail.com" userId="bf64c13fc2a2340e" providerId="LiveId" clId="{AF3C5371-F2E8-42E9-904A-443CBF8CADB3}" dt="2024-01-04T06:38:43.363" v="4076" actId="207"/>
-          <ac:spMkLst>
-            <pc:docMk/>
-            <pc:sldMk cId="2088772071" sldId="271"/>
-            <ac:spMk id="13" creationId="{D3D0AE83-ED0D-1782-931D-0C8DA852B9AA}"/>
-          </ac:spMkLst>
-        </pc:spChg>
-        <pc:graphicFrameChg chg="add mod modGraphic">
-          <ac:chgData name="poojithsai03@gmail.com" userId="bf64c13fc2a2340e" providerId="LiveId" clId="{AF3C5371-F2E8-42E9-904A-443CBF8CADB3}" dt="2024-01-04T06:38:31.335" v="4075" actId="207"/>
-          <ac:graphicFrameMkLst>
-            <pc:docMk/>
-            <pc:sldMk cId="2088772071" sldId="271"/>
-            <ac:graphicFrameMk id="14" creationId="{E1D0BA69-7DD3-2F9B-5241-A4DFF560E24B}"/>
-          </ac:graphicFrameMkLst>
-        </pc:graphicFrameChg>
-        <pc:picChg chg="add del mod">
-          <ac:chgData name="poojithsai03@gmail.com" userId="bf64c13fc2a2340e" providerId="LiveId" clId="{AF3C5371-F2E8-42E9-904A-443CBF8CADB3}" dt="2024-01-04T06:20:35.295" v="3569" actId="478"/>
-          <ac:picMkLst>
-            <pc:docMk/>
-            <pc:sldMk cId="2088772071" sldId="271"/>
-            <ac:picMk id="5" creationId="{C9CD70B2-3BEC-39B6-8868-297E8D69ED9C}"/>
-          </ac:picMkLst>
-        </pc:picChg>
-        <pc:picChg chg="add mod">
-          <ac:chgData name="poojithsai03@gmail.com" userId="bf64c13fc2a2340e" providerId="LiveId" clId="{AF3C5371-F2E8-42E9-904A-443CBF8CADB3}" dt="2024-01-04T06:54:43.105" v="4272" actId="339"/>
-          <ac:picMkLst>
-            <pc:docMk/>
-            <pc:sldMk cId="2088772071" sldId="271"/>
-            <ac:picMk id="9" creationId="{71B717C3-5B1C-54F0-B9E5-C140B527D9C4}"/>
-          </ac:picMkLst>
-        </pc:picChg>
-      </pc:sldChg>
-      <pc:sldChg chg="new del">
-        <pc:chgData name="poojithsai03@gmail.com" userId="bf64c13fc2a2340e" providerId="LiveId" clId="{AF3C5371-F2E8-42E9-904A-443CBF8CADB3}" dt="2024-01-04T06:40:17.316" v="4081" actId="47"/>
-        <pc:sldMkLst>
-          <pc:docMk/>
-          <pc:sldMk cId="2031961288" sldId="272"/>
-        </pc:sldMkLst>
-      </pc:sldChg>
-      <pc:sldChg chg="addSp delSp modSp add mod setBg modAnim">
-        <pc:chgData name="poojithsai03@gmail.com" userId="bf64c13fc2a2340e" providerId="LiveId" clId="{AF3C5371-F2E8-42E9-904A-443CBF8CADB3}" dt="2024-01-04T07:00:07.183" v="4349"/>
-        <pc:sldMkLst>
-          <pc:docMk/>
-          <pc:sldMk cId="3913547870" sldId="273"/>
-        </pc:sldMkLst>
-        <pc:spChg chg="add del mod">
-          <ac:chgData name="poojithsai03@gmail.com" userId="bf64c13fc2a2340e" providerId="LiveId" clId="{AF3C5371-F2E8-42E9-904A-443CBF8CADB3}" dt="2024-01-04T06:44:38.925" v="4171" actId="22"/>
-          <ac:spMkLst>
-            <pc:docMk/>
-            <pc:sldMk cId="3913547870" sldId="273"/>
-            <ac:spMk id="3" creationId="{23ADE163-0EF4-8492-3102-0CAD9D7486F1}"/>
-          </ac:spMkLst>
-        </pc:spChg>
-        <pc:spChg chg="mod">
-          <ac:chgData name="poojithsai03@gmail.com" userId="bf64c13fc2a2340e" providerId="LiveId" clId="{AF3C5371-F2E8-42E9-904A-443CBF8CADB3}" dt="2024-01-04T06:57:07.617" v="4327" actId="2711"/>
-          <ac:spMkLst>
-            <pc:docMk/>
-            <pc:sldMk cId="3913547870" sldId="273"/>
-            <ac:spMk id="11" creationId="{8608A6C3-11B1-88A7-3D5D-B3584E27C56C}"/>
-          </ac:spMkLst>
-        </pc:spChg>
-        <pc:spChg chg="mod">
-          <ac:chgData name="poojithsai03@gmail.com" userId="bf64c13fc2a2340e" providerId="LiveId" clId="{AF3C5371-F2E8-42E9-904A-443CBF8CADB3}" dt="2024-01-04T06:42:20.092" v="4169" actId="20577"/>
-          <ac:spMkLst>
-            <pc:docMk/>
-            <pc:sldMk cId="3913547870" sldId="273"/>
-            <ac:spMk id="13" creationId="{D3D0AE83-ED0D-1782-931D-0C8DA852B9AA}"/>
-          </ac:spMkLst>
-        </pc:spChg>
-        <pc:graphicFrameChg chg="modGraphic">
-          <ac:chgData name="poojithsai03@gmail.com" userId="bf64c13fc2a2340e" providerId="LiveId" clId="{AF3C5371-F2E8-42E9-904A-443CBF8CADB3}" dt="2024-01-04T06:42:07.886" v="4157" actId="20577"/>
-          <ac:graphicFrameMkLst>
-            <pc:docMk/>
-            <pc:sldMk cId="3913547870" sldId="273"/>
-            <ac:graphicFrameMk id="14" creationId="{E1D0BA69-7DD3-2F9B-5241-A4DFF560E24B}"/>
-          </ac:graphicFrameMkLst>
-        </pc:graphicFrameChg>
-        <pc:picChg chg="add mod ord">
-          <ac:chgData name="poojithsai03@gmail.com" userId="bf64c13fc2a2340e" providerId="LiveId" clId="{AF3C5371-F2E8-42E9-904A-443CBF8CADB3}" dt="2024-01-04T06:48:22.117" v="4252" actId="339"/>
-          <ac:picMkLst>
-            <pc:docMk/>
-            <pc:sldMk cId="3913547870" sldId="273"/>
-            <ac:picMk id="5" creationId="{D78B5C42-0072-C1EB-308B-0D974E16BF8B}"/>
-          </ac:picMkLst>
-        </pc:picChg>
-        <pc:picChg chg="del">
-          <ac:chgData name="poojithsai03@gmail.com" userId="bf64c13fc2a2340e" providerId="LiveId" clId="{AF3C5371-F2E8-42E9-904A-443CBF8CADB3}" dt="2024-01-04T06:42:39.922" v="4170" actId="478"/>
-          <ac:picMkLst>
-            <pc:docMk/>
-            <pc:sldMk cId="3913547870" sldId="273"/>
-            <ac:picMk id="9" creationId="{71B717C3-5B1C-54F0-B9E5-C140B527D9C4}"/>
-          </ac:picMkLst>
-        </pc:picChg>
-      </pc:sldChg>
-      <pc:sldChg chg="addSp delSp modSp new mod setBg">
-        <pc:chgData name="poojithsai03@gmail.com" userId="bf64c13fc2a2340e" providerId="LiveId" clId="{AF3C5371-F2E8-42E9-904A-443CBF8CADB3}" dt="2024-01-04T07:08:28.473" v="4369"/>
-        <pc:sldMkLst>
-          <pc:docMk/>
-          <pc:sldMk cId="4279877154" sldId="274"/>
-        </pc:sldMkLst>
-        <pc:spChg chg="del">
-          <ac:chgData name="poojithsai03@gmail.com" userId="bf64c13fc2a2340e" providerId="LiveId" clId="{AF3C5371-F2E8-42E9-904A-443CBF8CADB3}" dt="2024-01-04T07:02:11.264" v="4352" actId="478"/>
-          <ac:spMkLst>
-            <pc:docMk/>
-            <pc:sldMk cId="4279877154" sldId="274"/>
-            <ac:spMk id="2" creationId="{DF4E6A88-A713-AD74-5FDC-C3C144C8CBB0}"/>
-          </ac:spMkLst>
-        </pc:spChg>
-        <pc:spChg chg="del">
-          <ac:chgData name="poojithsai03@gmail.com" userId="bf64c13fc2a2340e" providerId="LiveId" clId="{AF3C5371-F2E8-42E9-904A-443CBF8CADB3}" dt="2024-01-04T07:02:07.333" v="4351" actId="478"/>
-          <ac:spMkLst>
-            <pc:docMk/>
-            <pc:sldMk cId="4279877154" sldId="274"/>
-            <ac:spMk id="3" creationId="{01543370-6B09-F40F-AC07-4E0EB1B1A61B}"/>
-          </ac:spMkLst>
-        </pc:spChg>
-        <pc:picChg chg="add mod">
-          <ac:chgData name="poojithsai03@gmail.com" userId="bf64c13fc2a2340e" providerId="LiveId" clId="{AF3C5371-F2E8-42E9-904A-443CBF8CADB3}" dt="2024-01-04T07:08:24.137" v="4368"/>
-          <ac:picMkLst>
-            <pc:docMk/>
-            <pc:sldMk cId="4279877154" sldId="274"/>
-            <ac:picMk id="5" creationId="{E6D7A027-572C-29FB-8039-4C089FF176A6}"/>
-          </ac:picMkLst>
-        </pc:picChg>
-        <pc:picChg chg="add del mod">
-          <ac:chgData name="poojithsai03@gmail.com" userId="bf64c13fc2a2340e" providerId="LiveId" clId="{AF3C5371-F2E8-42E9-904A-443CBF8CADB3}" dt="2024-01-04T07:02:26.918" v="4356" actId="478"/>
-          <ac:picMkLst>
-            <pc:docMk/>
-            <pc:sldMk cId="4279877154" sldId="274"/>
-            <ac:picMk id="2050" creationId="{DCED4CF7-547D-1CAE-3BDC-FF33DE967E6C}"/>
-          </ac:picMkLst>
-        </pc:picChg>
-      </pc:sldChg>
-    </pc:docChg>
-  </pc:docChgLst>
-</pc:chgInfo>
 </file>
 
 <file path=ppt/charts/chart1.xml><?xml version="1.0" encoding="utf-8"?>
@@ -13027,7 +11553,7 @@
           <a:p>
             <a:fld id="{4DC45B32-4F3E-4A95-98E6-F2AE4CE20B81}" type="datetimeFigureOut">
               <a:rPr lang="en-IN" smtClean="0"/>
-              <a:t>04-01-2024</a:t>
+              <a:t>03-02-2024</a:t>
             </a:fld>
             <a:endParaRPr lang="en-IN"/>
           </a:p>
@@ -13227,7 +11753,7 @@
           <a:p>
             <a:fld id="{4DC45B32-4F3E-4A95-98E6-F2AE4CE20B81}" type="datetimeFigureOut">
               <a:rPr lang="en-IN" smtClean="0"/>
-              <a:t>04-01-2024</a:t>
+              <a:t>03-02-2024</a:t>
             </a:fld>
             <a:endParaRPr lang="en-IN"/>
           </a:p>
@@ -13437,7 +11963,7 @@
           <a:p>
             <a:fld id="{4DC45B32-4F3E-4A95-98E6-F2AE4CE20B81}" type="datetimeFigureOut">
               <a:rPr lang="en-IN" smtClean="0"/>
-              <a:t>04-01-2024</a:t>
+              <a:t>03-02-2024</a:t>
             </a:fld>
             <a:endParaRPr lang="en-IN"/>
           </a:p>
@@ -13637,7 +12163,7 @@
           <a:p>
             <a:fld id="{4DC45B32-4F3E-4A95-98E6-F2AE4CE20B81}" type="datetimeFigureOut">
               <a:rPr lang="en-IN" smtClean="0"/>
-              <a:t>04-01-2024</a:t>
+              <a:t>03-02-2024</a:t>
             </a:fld>
             <a:endParaRPr lang="en-IN"/>
           </a:p>
@@ -13913,7 +12439,7 @@
           <a:p>
             <a:fld id="{4DC45B32-4F3E-4A95-98E6-F2AE4CE20B81}" type="datetimeFigureOut">
               <a:rPr lang="en-IN" smtClean="0"/>
-              <a:t>04-01-2024</a:t>
+              <a:t>03-02-2024</a:t>
             </a:fld>
             <a:endParaRPr lang="en-IN"/>
           </a:p>
@@ -14181,7 +12707,7 @@
           <a:p>
             <a:fld id="{4DC45B32-4F3E-4A95-98E6-F2AE4CE20B81}" type="datetimeFigureOut">
               <a:rPr lang="en-IN" smtClean="0"/>
-              <a:t>04-01-2024</a:t>
+              <a:t>03-02-2024</a:t>
             </a:fld>
             <a:endParaRPr lang="en-IN"/>
           </a:p>
@@ -14596,7 +13122,7 @@
           <a:p>
             <a:fld id="{4DC45B32-4F3E-4A95-98E6-F2AE4CE20B81}" type="datetimeFigureOut">
               <a:rPr lang="en-IN" smtClean="0"/>
-              <a:t>04-01-2024</a:t>
+              <a:t>03-02-2024</a:t>
             </a:fld>
             <a:endParaRPr lang="en-IN"/>
           </a:p>
@@ -14738,7 +13264,7 @@
           <a:p>
             <a:fld id="{4DC45B32-4F3E-4A95-98E6-F2AE4CE20B81}" type="datetimeFigureOut">
               <a:rPr lang="en-IN" smtClean="0"/>
-              <a:t>04-01-2024</a:t>
+              <a:t>03-02-2024</a:t>
             </a:fld>
             <a:endParaRPr lang="en-IN"/>
           </a:p>
@@ -14851,7 +13377,7 @@
           <a:p>
             <a:fld id="{4DC45B32-4F3E-4A95-98E6-F2AE4CE20B81}" type="datetimeFigureOut">
               <a:rPr lang="en-IN" smtClean="0"/>
-              <a:t>04-01-2024</a:t>
+              <a:t>03-02-2024</a:t>
             </a:fld>
             <a:endParaRPr lang="en-IN"/>
           </a:p>
@@ -15164,7 +13690,7 @@
           <a:p>
             <a:fld id="{4DC45B32-4F3E-4A95-98E6-F2AE4CE20B81}" type="datetimeFigureOut">
               <a:rPr lang="en-IN" smtClean="0"/>
-              <a:t>04-01-2024</a:t>
+              <a:t>03-02-2024</a:t>
             </a:fld>
             <a:endParaRPr lang="en-IN"/>
           </a:p>
@@ -15453,7 +13979,7 @@
           <a:p>
             <a:fld id="{4DC45B32-4F3E-4A95-98E6-F2AE4CE20B81}" type="datetimeFigureOut">
               <a:rPr lang="en-IN" smtClean="0"/>
-              <a:t>04-01-2024</a:t>
+              <a:t>03-02-2024</a:t>
             </a:fld>
             <a:endParaRPr lang="en-IN"/>
           </a:p>
@@ -15696,7 +14222,7 @@
           <a:p>
             <a:fld id="{4DC45B32-4F3E-4A95-98E6-F2AE4CE20B81}" type="datetimeFigureOut">
               <a:rPr lang="en-IN" smtClean="0"/>
-              <a:t>04-01-2024</a:t>
+              <a:t>03-02-2024</a:t>
             </a:fld>
             <a:endParaRPr lang="en-IN"/>
           </a:p>
@@ -26515,15 +25041,6 @@
           <a:effectLst>
             <a:reflection blurRad="12700" stA="38000" endPos="28000" dist="5000" dir="5400000" sy="-100000" algn="bl" rotWithShape="0"/>
           </a:effectLst>
-          <a:extLst>
-            <a:ext uri="{909E8E84-426E-40DD-AFC4-6F175D3DCCD1}">
-              <a14:hiddenFill xmlns:a14="http://schemas.microsoft.com/office/drawing/2010/main">
-                <a:solidFill>
-                  <a:srgbClr val="FFFFFF"/>
-                </a:solidFill>
-              </a14:hiddenFill>
-            </a:ext>
-          </a:extLst>
         </p:spPr>
       </p:pic>
     </p:spTree>
